--- a/Session 4-5/04 - 2 - Intro to CNNs.pptx
+++ b/Session 4-5/04 - 2 - Intro to CNNs.pptx
@@ -5,7 +5,7 @@
     <p:sldMasterId id="2147483648" r:id="rId1"/>
   </p:sldMasterIdLst>
   <p:notesMasterIdLst>
-    <p:notesMasterId r:id="rId21"/>
+    <p:notesMasterId r:id="rId20"/>
   </p:notesMasterIdLst>
   <p:sldIdLst>
     <p:sldId id="256" r:id="rId2"/>
@@ -25,23 +25,22 @@
     <p:sldId id="270" r:id="rId16"/>
     <p:sldId id="271" r:id="rId17"/>
     <p:sldId id="272" r:id="rId18"/>
-    <p:sldId id="273" r:id="rId19"/>
-    <p:sldId id="274" r:id="rId20"/>
+    <p:sldId id="274" r:id="rId19"/>
   </p:sldIdLst>
   <p:sldSz cx="12192000" cy="6858000"/>
   <p:notesSz cx="6858000" cy="9144000"/>
   <p:embeddedFontLst>
     <p:embeddedFont>
       <p:font typeface="Economica" panose="02000506040000020004" pitchFamily="2" charset="77"/>
-      <p:regular r:id="rId22"/>
-      <p:bold r:id="rId23"/>
-      <p:italic r:id="rId24"/>
-      <p:boldItalic r:id="rId25"/>
+      <p:regular r:id="rId21"/>
+      <p:bold r:id="rId22"/>
+      <p:italic r:id="rId23"/>
+      <p:boldItalic r:id="rId24"/>
     </p:embeddedFont>
     <p:embeddedFont>
       <p:font typeface="Quicksand" pitchFamily="2" charset="77"/>
-      <p:regular r:id="rId26"/>
-      <p:bold r:id="rId27"/>
+      <p:regular r:id="rId25"/>
+      <p:bold r:id="rId26"/>
     </p:embeddedFont>
   </p:embeddedFontLst>
   <p:defaultTextStyle>
@@ -274,8 +273,11 @@
     </a:lvl9pPr>
   </p:defaultTextStyle>
   <p:extLst>
+    <p:ext uri="{EFAFB233-063F-42B5-8137-9DF3F51BA10A}">
+      <p15:sldGuideLst xmlns:p15="http://schemas.microsoft.com/office/powerpoint/2012/main"/>
+    </p:ext>
     <p:ext uri="http://customooxmlschemas.google.com/">
-      <go:slidesCustomData xmlns:go="http://customooxmlschemas.google.com/" xmlns:ahyp="http://schemas.microsoft.com/office/drawing/2018/hyperlinkcolor" xmlns:p15="http://schemas.microsoft.com/office/powerpoint/2012/main" xmlns:p14="http://schemas.microsoft.com/office/powerpoint/2010/main" xmlns:com="http://schemas.openxmlformats.org/drawingml/2006/compatibility" xmlns:pvml="urn:schemas-microsoft-com:office:powerpoint" xmlns:v="urn:schemas-microsoft-com:vml" xmlns:o="urn:schemas-microsoft-com:office:office" xmlns:dgm="http://schemas.openxmlformats.org/drawingml/2006/diagram" xmlns:c="http://schemas.openxmlformats.org/drawingml/2006/chart" xmlns:mv="urn:schemas-microsoft-com:mac:vml" xmlns:mc="http://schemas.openxmlformats.org/markup-compatibility/2006" xmlns="" r:id="rId30" roundtripDataSignature="AMtx7mi89tSsS2gJZhtUKVBlOmZBxrZuDw=="/>
+      <go:slidesCustomData xmlns="" xmlns:mc="http://schemas.openxmlformats.org/markup-compatibility/2006" xmlns:mv="urn:schemas-microsoft-com:mac:vml" xmlns:c="http://schemas.openxmlformats.org/drawingml/2006/chart" xmlns:dgm="http://schemas.openxmlformats.org/drawingml/2006/diagram" xmlns:o="urn:schemas-microsoft-com:office:office" xmlns:v="urn:schemas-microsoft-com:vml" xmlns:pvml="urn:schemas-microsoft-com:office:powerpoint" xmlns:com="http://schemas.openxmlformats.org/drawingml/2006/compatibility" xmlns:p14="http://schemas.microsoft.com/office/powerpoint/2010/main" xmlns:p15="http://schemas.microsoft.com/office/powerpoint/2012/main" xmlns:ahyp="http://schemas.microsoft.com/office/drawing/2018/hyperlinkcolor" xmlns:go="http://customooxmlschemas.google.com/" r:id="rId30" roundtripDataSignature="AMtx7mi89tSsS2gJZhtUKVBlOmZBxrZuDw=="/>
     </p:ext>
   </p:extLst>
 </p:presentation>
@@ -1684,11 +1686,7 @@
               </a:spcAft>
               <a:buNone/>
             </a:pPr>
-            <a:r>
-              <a:rPr lang="en-US"/>
-              <a:t>E.g., one for vertical lines, one for horizontal lines, one for diagonal lines, etc. The output feature maps might then feed into another convolutional layer, with its own filters, (perhaps representing nose, eye, mouth), and so on. </a:t>
-            </a:r>
-            <a:endParaRPr/>
+            <a:endParaRPr dirty="0"/>
           </a:p>
         </p:txBody>
       </p:sp>
@@ -2692,11 +2690,7 @@
               </a:spcAft>
               <a:buNone/>
             </a:pPr>
-            <a:r>
-              <a:rPr lang="en-US"/>
-              <a:t>E.g., one for vertical lines, one for horizontal lines, one for diagonal lines, etc. The output feature maps might then feed into another convolutional layer, with its own filters, (perhaps representing nose, eye, mouth), and so on. </a:t>
-            </a:r>
-            <a:endParaRPr/>
+            <a:endParaRPr dirty="0"/>
           </a:p>
         </p:txBody>
       </p:sp>
@@ -2927,174 +2921,6 @@
   <p:cSld>
     <p:spTree>
       <p:nvGrpSpPr>
-        <p:cNvPr id="1" name="Shape 221"/>
-        <p:cNvGrpSpPr/>
-        <p:nvPr/>
-      </p:nvGrpSpPr>
-      <p:grpSpPr>
-        <a:xfrm>
-          <a:off x="0" y="0"/>
-          <a:ext cx="0" cy="0"/>
-          <a:chOff x="0" y="0"/>
-          <a:chExt cx="0" cy="0"/>
-        </a:xfrm>
-      </p:grpSpPr>
-      <p:sp>
-        <p:nvSpPr>
-          <p:cNvPr id="222" name="Google Shape;222;p19:notes"/>
-          <p:cNvSpPr>
-            <a:spLocks noGrp="1" noRot="1" noChangeAspect="1"/>
-          </p:cNvSpPr>
-          <p:nvPr>
-            <p:ph type="sldImg" idx="2"/>
-          </p:nvPr>
-        </p:nvSpPr>
-        <p:spPr>
-          <a:xfrm>
-            <a:off x="685800" y="1143000"/>
-            <a:ext cx="5486400" cy="3086100"/>
-          </a:xfrm>
-          <a:custGeom>
-            <a:avLst/>
-            <a:gdLst/>
-            <a:ahLst/>
-            <a:cxnLst/>
-            <a:rect l="l" t="t" r="r" b="b"/>
-            <a:pathLst>
-              <a:path w="120000" h="120000" extrusionOk="0">
-                <a:moveTo>
-                  <a:pt x="0" y="0"/>
-                </a:moveTo>
-                <a:lnTo>
-                  <a:pt x="120000" y="0"/>
-                </a:lnTo>
-                <a:lnTo>
-                  <a:pt x="120000" y="120000"/>
-                </a:lnTo>
-                <a:lnTo>
-                  <a:pt x="0" y="120000"/>
-                </a:lnTo>
-                <a:close/>
-              </a:path>
-            </a:pathLst>
-          </a:custGeom>
-          <a:noFill/>
-          <a:ln w="12700" cap="flat" cmpd="sng">
-            <a:solidFill>
-              <a:srgbClr val="000000"/>
-            </a:solidFill>
-            <a:prstDash val="solid"/>
-            <a:round/>
-            <a:headEnd type="none" w="sm" len="sm"/>
-            <a:tailEnd type="none" w="sm" len="sm"/>
-          </a:ln>
-        </p:spPr>
-      </p:sp>
-      <p:sp>
-        <p:nvSpPr>
-          <p:cNvPr id="223" name="Google Shape;223;p19:notes"/>
-          <p:cNvSpPr txBox="1">
-            <a:spLocks noGrp="1"/>
-          </p:cNvSpPr>
-          <p:nvPr>
-            <p:ph type="body" idx="1"/>
-          </p:nvPr>
-        </p:nvSpPr>
-        <p:spPr>
-          <a:xfrm>
-            <a:off x="685800" y="4400550"/>
-            <a:ext cx="5486400" cy="3600450"/>
-          </a:xfrm>
-          <a:prstGeom prst="rect">
-            <a:avLst/>
-          </a:prstGeom>
-          <a:noFill/>
-          <a:ln>
-            <a:noFill/>
-          </a:ln>
-        </p:spPr>
-        <p:txBody>
-          <a:bodyPr spcFirstLastPara="1" wrap="square" lIns="91425" tIns="45700" rIns="91425" bIns="45700" anchor="t" anchorCtr="0">
-            <a:noAutofit/>
-          </a:bodyPr>
-          <a:lstStyle/>
-          <a:p>
-            <a:pPr marL="0" lvl="0" indent="0" algn="l" rtl="0">
-              <a:spcBef>
-                <a:spcPts val="0"/>
-              </a:spcBef>
-              <a:spcAft>
-                <a:spcPts val="0"/>
-              </a:spcAft>
-              <a:buNone/>
-            </a:pPr>
-            <a:r>
-              <a:rPr lang="en-US"/>
-              <a:t>Note that I don’t expect you to implement a neural network from scratch. This is just to give you an understanding of how they work. </a:t>
-            </a:r>
-            <a:endParaRPr/>
-          </a:p>
-        </p:txBody>
-      </p:sp>
-      <p:sp>
-        <p:nvSpPr>
-          <p:cNvPr id="224" name="Google Shape;224;p19:notes"/>
-          <p:cNvSpPr txBox="1">
-            <a:spLocks noGrp="1"/>
-          </p:cNvSpPr>
-          <p:nvPr>
-            <p:ph type="sldNum" idx="12"/>
-          </p:nvPr>
-        </p:nvSpPr>
-        <p:spPr>
-          <a:xfrm>
-            <a:off x="3884613" y="8685213"/>
-            <a:ext cx="2971800" cy="458787"/>
-          </a:xfrm>
-          <a:prstGeom prst="rect">
-            <a:avLst/>
-          </a:prstGeom>
-          <a:noFill/>
-          <a:ln>
-            <a:noFill/>
-          </a:ln>
-        </p:spPr>
-        <p:txBody>
-          <a:bodyPr spcFirstLastPara="1" wrap="square" lIns="91425" tIns="45700" rIns="91425" bIns="45700" anchor="b" anchorCtr="0">
-            <a:noAutofit/>
-          </a:bodyPr>
-          <a:lstStyle/>
-          <a:p>
-            <a:pPr marL="0" lvl="0" indent="0" algn="r" rtl="0">
-              <a:spcBef>
-                <a:spcPts val="0"/>
-              </a:spcBef>
-              <a:spcAft>
-                <a:spcPts val="0"/>
-              </a:spcAft>
-              <a:buNone/>
-            </a:pPr>
-            <a:fld id="{00000000-1234-1234-1234-123412341234}" type="slidenum">
-              <a:rPr lang="en-US"/>
-              <a:t>18</a:t>
-            </a:fld>
-            <a:endParaRPr/>
-          </a:p>
-        </p:txBody>
-      </p:sp>
-    </p:spTree>
-  </p:cSld>
-  <p:clrMapOvr>
-    <a:masterClrMapping/>
-  </p:clrMapOvr>
-</p:notes>
-</file>
-
-<file path=ppt/notesSlides/notesSlide19.xml><?xml version="1.0" encoding="utf-8"?>
-<p:notes xmlns:a="http://schemas.openxmlformats.org/drawingml/2006/main" xmlns:r="http://schemas.openxmlformats.org/officeDocument/2006/relationships" xmlns:p="http://schemas.openxmlformats.org/presentationml/2006/main" showMasterSp="0" showMasterPhAnim="0">
-  <p:cSld>
-    <p:spTree>
-      <p:nvGrpSpPr>
         <p:cNvPr id="1" name="Shape 229"/>
         <p:cNvGrpSpPr/>
         <p:nvPr/>
@@ -3244,7 +3070,7 @@
             </a:pPr>
             <a:fld id="{00000000-1234-1234-1234-123412341234}" type="slidenum">
               <a:rPr lang="en-US"/>
-              <a:t>19</a:t>
+              <a:t>18</a:t>
             </a:fld>
             <a:endParaRPr/>
           </a:p>
@@ -4800,733 +4626,6 @@
 </file>
 
 <file path=ppt/slideLayouts/slideLayout10.xml><?xml version="1.0" encoding="utf-8"?>
-<p:sldLayout xmlns:a="http://schemas.openxmlformats.org/drawingml/2006/main" xmlns:r="http://schemas.openxmlformats.org/officeDocument/2006/relationships" xmlns:p="http://schemas.openxmlformats.org/presentationml/2006/main" matchingName="Title and Vertical Text" type="vertTx">
-  <p:cSld name="VERTICAL_TEXT">
-    <p:spTree>
-      <p:nvGrpSpPr>
-        <p:cNvPr id="1" name="Shape 73"/>
-        <p:cNvGrpSpPr/>
-        <p:nvPr/>
-      </p:nvGrpSpPr>
-      <p:grpSpPr>
-        <a:xfrm>
-          <a:off x="0" y="0"/>
-          <a:ext cx="0" cy="0"/>
-          <a:chOff x="0" y="0"/>
-          <a:chExt cx="0" cy="0"/>
-        </a:xfrm>
-      </p:grpSpPr>
-      <p:sp>
-        <p:nvSpPr>
-          <p:cNvPr id="74" name="Google Shape;74;p31"/>
-          <p:cNvSpPr txBox="1">
-            <a:spLocks noGrp="1"/>
-          </p:cNvSpPr>
-          <p:nvPr>
-            <p:ph type="title"/>
-          </p:nvPr>
-        </p:nvSpPr>
-        <p:spPr>
-          <a:xfrm>
-            <a:off x="838200" y="365125"/>
-            <a:ext cx="10515600" cy="1325563"/>
-          </a:xfrm>
-          <a:prstGeom prst="rect">
-            <a:avLst/>
-          </a:prstGeom>
-          <a:noFill/>
-          <a:ln>
-            <a:noFill/>
-          </a:ln>
-        </p:spPr>
-        <p:txBody>
-          <a:bodyPr spcFirstLastPara="1" wrap="square" lIns="91425" tIns="45700" rIns="91425" bIns="45700" anchor="ctr" anchorCtr="0">
-            <a:normAutofit/>
-          </a:bodyPr>
-          <a:lstStyle>
-            <a:lvl1pPr lvl="0" algn="l">
-              <a:lnSpc>
-                <a:spcPct val="90000"/>
-              </a:lnSpc>
-              <a:spcBef>
-                <a:spcPts val="0"/>
-              </a:spcBef>
-              <a:spcAft>
-                <a:spcPts val="0"/>
-              </a:spcAft>
-              <a:buClr>
-                <a:schemeClr val="dk1"/>
-              </a:buClr>
-              <a:buSzPts val="1800"/>
-              <a:buNone/>
-              <a:defRPr/>
-            </a:lvl1pPr>
-            <a:lvl2pPr lvl="1">
-              <a:spcBef>
-                <a:spcPts val="0"/>
-              </a:spcBef>
-              <a:spcAft>
-                <a:spcPts val="0"/>
-              </a:spcAft>
-              <a:buSzPts val="1400"/>
-              <a:buNone/>
-              <a:defRPr/>
-            </a:lvl2pPr>
-            <a:lvl3pPr lvl="2">
-              <a:spcBef>
-                <a:spcPts val="0"/>
-              </a:spcBef>
-              <a:spcAft>
-                <a:spcPts val="0"/>
-              </a:spcAft>
-              <a:buSzPts val="1400"/>
-              <a:buNone/>
-              <a:defRPr/>
-            </a:lvl3pPr>
-            <a:lvl4pPr lvl="3">
-              <a:spcBef>
-                <a:spcPts val="0"/>
-              </a:spcBef>
-              <a:spcAft>
-                <a:spcPts val="0"/>
-              </a:spcAft>
-              <a:buSzPts val="1400"/>
-              <a:buNone/>
-              <a:defRPr/>
-            </a:lvl4pPr>
-            <a:lvl5pPr lvl="4">
-              <a:spcBef>
-                <a:spcPts val="0"/>
-              </a:spcBef>
-              <a:spcAft>
-                <a:spcPts val="0"/>
-              </a:spcAft>
-              <a:buSzPts val="1400"/>
-              <a:buNone/>
-              <a:defRPr/>
-            </a:lvl5pPr>
-            <a:lvl6pPr lvl="5">
-              <a:spcBef>
-                <a:spcPts val="0"/>
-              </a:spcBef>
-              <a:spcAft>
-                <a:spcPts val="0"/>
-              </a:spcAft>
-              <a:buSzPts val="1400"/>
-              <a:buNone/>
-              <a:defRPr/>
-            </a:lvl6pPr>
-            <a:lvl7pPr lvl="6">
-              <a:spcBef>
-                <a:spcPts val="0"/>
-              </a:spcBef>
-              <a:spcAft>
-                <a:spcPts val="0"/>
-              </a:spcAft>
-              <a:buSzPts val="1400"/>
-              <a:buNone/>
-              <a:defRPr/>
-            </a:lvl7pPr>
-            <a:lvl8pPr lvl="7">
-              <a:spcBef>
-                <a:spcPts val="0"/>
-              </a:spcBef>
-              <a:spcAft>
-                <a:spcPts val="0"/>
-              </a:spcAft>
-              <a:buSzPts val="1400"/>
-              <a:buNone/>
-              <a:defRPr/>
-            </a:lvl8pPr>
-            <a:lvl9pPr lvl="8">
-              <a:spcBef>
-                <a:spcPts val="0"/>
-              </a:spcBef>
-              <a:spcAft>
-                <a:spcPts val="0"/>
-              </a:spcAft>
-              <a:buSzPts val="1400"/>
-              <a:buNone/>
-              <a:defRPr/>
-            </a:lvl9pPr>
-          </a:lstStyle>
-          <a:p>
-            <a:endParaRPr/>
-          </a:p>
-        </p:txBody>
-      </p:sp>
-      <p:sp>
-        <p:nvSpPr>
-          <p:cNvPr id="75" name="Google Shape;75;p31"/>
-          <p:cNvSpPr txBox="1">
-            <a:spLocks noGrp="1"/>
-          </p:cNvSpPr>
-          <p:nvPr>
-            <p:ph type="body" idx="1"/>
-          </p:nvPr>
-        </p:nvSpPr>
-        <p:spPr>
-          <a:xfrm rot="5400000">
-            <a:off x="3920331" y="-1256506"/>
-            <a:ext cx="4351338" cy="10515600"/>
-          </a:xfrm>
-          <a:prstGeom prst="rect">
-            <a:avLst/>
-          </a:prstGeom>
-          <a:noFill/>
-          <a:ln>
-            <a:noFill/>
-          </a:ln>
-        </p:spPr>
-        <p:txBody>
-          <a:bodyPr spcFirstLastPara="1" wrap="square" lIns="91425" tIns="45700" rIns="91425" bIns="45700" anchor="t" anchorCtr="0">
-            <a:normAutofit/>
-          </a:bodyPr>
-          <a:lstStyle>
-            <a:lvl1pPr marL="457200" lvl="0" indent="-342900" algn="l">
-              <a:lnSpc>
-                <a:spcPct val="90000"/>
-              </a:lnSpc>
-              <a:spcBef>
-                <a:spcPts val="1000"/>
-              </a:spcBef>
-              <a:spcAft>
-                <a:spcPts val="0"/>
-              </a:spcAft>
-              <a:buClr>
-                <a:schemeClr val="dk1"/>
-              </a:buClr>
-              <a:buSzPts val="1800"/>
-              <a:buChar char="•"/>
-              <a:defRPr/>
-            </a:lvl1pPr>
-            <a:lvl2pPr marL="914400" lvl="1" indent="-342900" algn="l">
-              <a:lnSpc>
-                <a:spcPct val="90000"/>
-              </a:lnSpc>
-              <a:spcBef>
-                <a:spcPts val="500"/>
-              </a:spcBef>
-              <a:spcAft>
-                <a:spcPts val="0"/>
-              </a:spcAft>
-              <a:buClr>
-                <a:schemeClr val="dk1"/>
-              </a:buClr>
-              <a:buSzPts val="1800"/>
-              <a:buChar char="•"/>
-              <a:defRPr/>
-            </a:lvl2pPr>
-            <a:lvl3pPr marL="1371600" lvl="2" indent="-342900" algn="l">
-              <a:lnSpc>
-                <a:spcPct val="90000"/>
-              </a:lnSpc>
-              <a:spcBef>
-                <a:spcPts val="500"/>
-              </a:spcBef>
-              <a:spcAft>
-                <a:spcPts val="0"/>
-              </a:spcAft>
-              <a:buClr>
-                <a:schemeClr val="dk1"/>
-              </a:buClr>
-              <a:buSzPts val="1800"/>
-              <a:buChar char="•"/>
-              <a:defRPr/>
-            </a:lvl3pPr>
-            <a:lvl4pPr marL="1828800" lvl="3" indent="-342900" algn="l">
-              <a:lnSpc>
-                <a:spcPct val="90000"/>
-              </a:lnSpc>
-              <a:spcBef>
-                <a:spcPts val="500"/>
-              </a:spcBef>
-              <a:spcAft>
-                <a:spcPts val="0"/>
-              </a:spcAft>
-              <a:buClr>
-                <a:schemeClr val="dk1"/>
-              </a:buClr>
-              <a:buSzPts val="1800"/>
-              <a:buChar char="•"/>
-              <a:defRPr/>
-            </a:lvl4pPr>
-            <a:lvl5pPr marL="2286000" lvl="4" indent="-342900" algn="l">
-              <a:lnSpc>
-                <a:spcPct val="90000"/>
-              </a:lnSpc>
-              <a:spcBef>
-                <a:spcPts val="500"/>
-              </a:spcBef>
-              <a:spcAft>
-                <a:spcPts val="0"/>
-              </a:spcAft>
-              <a:buClr>
-                <a:schemeClr val="dk1"/>
-              </a:buClr>
-              <a:buSzPts val="1800"/>
-              <a:buChar char="•"/>
-              <a:defRPr/>
-            </a:lvl5pPr>
-            <a:lvl6pPr marL="2743200" lvl="5" indent="-342900" algn="l">
-              <a:lnSpc>
-                <a:spcPct val="90000"/>
-              </a:lnSpc>
-              <a:spcBef>
-                <a:spcPts val="500"/>
-              </a:spcBef>
-              <a:spcAft>
-                <a:spcPts val="0"/>
-              </a:spcAft>
-              <a:buClr>
-                <a:schemeClr val="dk1"/>
-              </a:buClr>
-              <a:buSzPts val="1800"/>
-              <a:buChar char="•"/>
-              <a:defRPr/>
-            </a:lvl6pPr>
-            <a:lvl7pPr marL="3200400" lvl="6" indent="-342900" algn="l">
-              <a:lnSpc>
-                <a:spcPct val="90000"/>
-              </a:lnSpc>
-              <a:spcBef>
-                <a:spcPts val="500"/>
-              </a:spcBef>
-              <a:spcAft>
-                <a:spcPts val="0"/>
-              </a:spcAft>
-              <a:buClr>
-                <a:schemeClr val="dk1"/>
-              </a:buClr>
-              <a:buSzPts val="1800"/>
-              <a:buChar char="•"/>
-              <a:defRPr/>
-            </a:lvl7pPr>
-            <a:lvl8pPr marL="3657600" lvl="7" indent="-342900" algn="l">
-              <a:lnSpc>
-                <a:spcPct val="90000"/>
-              </a:lnSpc>
-              <a:spcBef>
-                <a:spcPts val="500"/>
-              </a:spcBef>
-              <a:spcAft>
-                <a:spcPts val="0"/>
-              </a:spcAft>
-              <a:buClr>
-                <a:schemeClr val="dk1"/>
-              </a:buClr>
-              <a:buSzPts val="1800"/>
-              <a:buChar char="•"/>
-              <a:defRPr/>
-            </a:lvl8pPr>
-            <a:lvl9pPr marL="4114800" lvl="8" indent="-342900" algn="l">
-              <a:lnSpc>
-                <a:spcPct val="90000"/>
-              </a:lnSpc>
-              <a:spcBef>
-                <a:spcPts val="500"/>
-              </a:spcBef>
-              <a:spcAft>
-                <a:spcPts val="0"/>
-              </a:spcAft>
-              <a:buClr>
-                <a:schemeClr val="dk1"/>
-              </a:buClr>
-              <a:buSzPts val="1800"/>
-              <a:buChar char="•"/>
-              <a:defRPr/>
-            </a:lvl9pPr>
-          </a:lstStyle>
-          <a:p>
-            <a:endParaRPr/>
-          </a:p>
-        </p:txBody>
-      </p:sp>
-      <p:sp>
-        <p:nvSpPr>
-          <p:cNvPr id="76" name="Google Shape;76;p31"/>
-          <p:cNvSpPr txBox="1">
-            <a:spLocks noGrp="1"/>
-          </p:cNvSpPr>
-          <p:nvPr>
-            <p:ph type="dt" idx="10"/>
-          </p:nvPr>
-        </p:nvSpPr>
-        <p:spPr>
-          <a:xfrm>
-            <a:off x="838200" y="6356350"/>
-            <a:ext cx="2743200" cy="365125"/>
-          </a:xfrm>
-          <a:prstGeom prst="rect">
-            <a:avLst/>
-          </a:prstGeom>
-          <a:noFill/>
-          <a:ln>
-            <a:noFill/>
-          </a:ln>
-        </p:spPr>
-        <p:txBody>
-          <a:bodyPr spcFirstLastPara="1" wrap="square" lIns="91425" tIns="45700" rIns="91425" bIns="45700" anchor="ctr" anchorCtr="0">
-            <a:noAutofit/>
-          </a:bodyPr>
-          <a:lstStyle>
-            <a:lvl1pPr lvl="0" algn="l">
-              <a:spcBef>
-                <a:spcPts val="0"/>
-              </a:spcBef>
-              <a:spcAft>
-                <a:spcPts val="0"/>
-              </a:spcAft>
-              <a:buSzPts val="1400"/>
-              <a:buNone/>
-              <a:defRPr/>
-            </a:lvl1pPr>
-            <a:lvl2pPr lvl="1" algn="l">
-              <a:spcBef>
-                <a:spcPts val="0"/>
-              </a:spcBef>
-              <a:spcAft>
-                <a:spcPts val="0"/>
-              </a:spcAft>
-              <a:buSzPts val="1400"/>
-              <a:buNone/>
-              <a:defRPr/>
-            </a:lvl2pPr>
-            <a:lvl3pPr lvl="2" algn="l">
-              <a:spcBef>
-                <a:spcPts val="0"/>
-              </a:spcBef>
-              <a:spcAft>
-                <a:spcPts val="0"/>
-              </a:spcAft>
-              <a:buSzPts val="1400"/>
-              <a:buNone/>
-              <a:defRPr/>
-            </a:lvl3pPr>
-            <a:lvl4pPr lvl="3" algn="l">
-              <a:spcBef>
-                <a:spcPts val="0"/>
-              </a:spcBef>
-              <a:spcAft>
-                <a:spcPts val="0"/>
-              </a:spcAft>
-              <a:buSzPts val="1400"/>
-              <a:buNone/>
-              <a:defRPr/>
-            </a:lvl4pPr>
-            <a:lvl5pPr lvl="4" algn="l">
-              <a:spcBef>
-                <a:spcPts val="0"/>
-              </a:spcBef>
-              <a:spcAft>
-                <a:spcPts val="0"/>
-              </a:spcAft>
-              <a:buSzPts val="1400"/>
-              <a:buNone/>
-              <a:defRPr/>
-            </a:lvl5pPr>
-            <a:lvl6pPr lvl="5" algn="l">
-              <a:spcBef>
-                <a:spcPts val="0"/>
-              </a:spcBef>
-              <a:spcAft>
-                <a:spcPts val="0"/>
-              </a:spcAft>
-              <a:buSzPts val="1400"/>
-              <a:buNone/>
-              <a:defRPr/>
-            </a:lvl6pPr>
-            <a:lvl7pPr lvl="6" algn="l">
-              <a:spcBef>
-                <a:spcPts val="0"/>
-              </a:spcBef>
-              <a:spcAft>
-                <a:spcPts val="0"/>
-              </a:spcAft>
-              <a:buSzPts val="1400"/>
-              <a:buNone/>
-              <a:defRPr/>
-            </a:lvl7pPr>
-            <a:lvl8pPr lvl="7" algn="l">
-              <a:spcBef>
-                <a:spcPts val="0"/>
-              </a:spcBef>
-              <a:spcAft>
-                <a:spcPts val="0"/>
-              </a:spcAft>
-              <a:buSzPts val="1400"/>
-              <a:buNone/>
-              <a:defRPr/>
-            </a:lvl8pPr>
-            <a:lvl9pPr lvl="8" algn="l">
-              <a:spcBef>
-                <a:spcPts val="0"/>
-              </a:spcBef>
-              <a:spcAft>
-                <a:spcPts val="0"/>
-              </a:spcAft>
-              <a:buSzPts val="1400"/>
-              <a:buNone/>
-              <a:defRPr/>
-            </a:lvl9pPr>
-          </a:lstStyle>
-          <a:p>
-            <a:endParaRPr/>
-          </a:p>
-        </p:txBody>
-      </p:sp>
-      <p:sp>
-        <p:nvSpPr>
-          <p:cNvPr id="77" name="Google Shape;77;p31"/>
-          <p:cNvSpPr txBox="1">
-            <a:spLocks noGrp="1"/>
-          </p:cNvSpPr>
-          <p:nvPr>
-            <p:ph type="ftr" idx="11"/>
-          </p:nvPr>
-        </p:nvSpPr>
-        <p:spPr>
-          <a:xfrm>
-            <a:off x="4038600" y="6356350"/>
-            <a:ext cx="4114800" cy="365125"/>
-          </a:xfrm>
-          <a:prstGeom prst="rect">
-            <a:avLst/>
-          </a:prstGeom>
-          <a:noFill/>
-          <a:ln>
-            <a:noFill/>
-          </a:ln>
-        </p:spPr>
-        <p:txBody>
-          <a:bodyPr spcFirstLastPara="1" wrap="square" lIns="91425" tIns="45700" rIns="91425" bIns="45700" anchor="ctr" anchorCtr="0">
-            <a:noAutofit/>
-          </a:bodyPr>
-          <a:lstStyle>
-            <a:lvl1pPr lvl="0" algn="ctr">
-              <a:spcBef>
-                <a:spcPts val="0"/>
-              </a:spcBef>
-              <a:spcAft>
-                <a:spcPts val="0"/>
-              </a:spcAft>
-              <a:buSzPts val="1400"/>
-              <a:buNone/>
-              <a:defRPr/>
-            </a:lvl1pPr>
-            <a:lvl2pPr lvl="1" algn="l">
-              <a:spcBef>
-                <a:spcPts val="0"/>
-              </a:spcBef>
-              <a:spcAft>
-                <a:spcPts val="0"/>
-              </a:spcAft>
-              <a:buSzPts val="1400"/>
-              <a:buNone/>
-              <a:defRPr/>
-            </a:lvl2pPr>
-            <a:lvl3pPr lvl="2" algn="l">
-              <a:spcBef>
-                <a:spcPts val="0"/>
-              </a:spcBef>
-              <a:spcAft>
-                <a:spcPts val="0"/>
-              </a:spcAft>
-              <a:buSzPts val="1400"/>
-              <a:buNone/>
-              <a:defRPr/>
-            </a:lvl3pPr>
-            <a:lvl4pPr lvl="3" algn="l">
-              <a:spcBef>
-                <a:spcPts val="0"/>
-              </a:spcBef>
-              <a:spcAft>
-                <a:spcPts val="0"/>
-              </a:spcAft>
-              <a:buSzPts val="1400"/>
-              <a:buNone/>
-              <a:defRPr/>
-            </a:lvl4pPr>
-            <a:lvl5pPr lvl="4" algn="l">
-              <a:spcBef>
-                <a:spcPts val="0"/>
-              </a:spcBef>
-              <a:spcAft>
-                <a:spcPts val="0"/>
-              </a:spcAft>
-              <a:buSzPts val="1400"/>
-              <a:buNone/>
-              <a:defRPr/>
-            </a:lvl5pPr>
-            <a:lvl6pPr lvl="5" algn="l">
-              <a:spcBef>
-                <a:spcPts val="0"/>
-              </a:spcBef>
-              <a:spcAft>
-                <a:spcPts val="0"/>
-              </a:spcAft>
-              <a:buSzPts val="1400"/>
-              <a:buNone/>
-              <a:defRPr/>
-            </a:lvl6pPr>
-            <a:lvl7pPr lvl="6" algn="l">
-              <a:spcBef>
-                <a:spcPts val="0"/>
-              </a:spcBef>
-              <a:spcAft>
-                <a:spcPts val="0"/>
-              </a:spcAft>
-              <a:buSzPts val="1400"/>
-              <a:buNone/>
-              <a:defRPr/>
-            </a:lvl7pPr>
-            <a:lvl8pPr lvl="7" algn="l">
-              <a:spcBef>
-                <a:spcPts val="0"/>
-              </a:spcBef>
-              <a:spcAft>
-                <a:spcPts val="0"/>
-              </a:spcAft>
-              <a:buSzPts val="1400"/>
-              <a:buNone/>
-              <a:defRPr/>
-            </a:lvl8pPr>
-            <a:lvl9pPr lvl="8" algn="l">
-              <a:spcBef>
-                <a:spcPts val="0"/>
-              </a:spcBef>
-              <a:spcAft>
-                <a:spcPts val="0"/>
-              </a:spcAft>
-              <a:buSzPts val="1400"/>
-              <a:buNone/>
-              <a:defRPr/>
-            </a:lvl9pPr>
-          </a:lstStyle>
-          <a:p>
-            <a:endParaRPr/>
-          </a:p>
-        </p:txBody>
-      </p:sp>
-      <p:sp>
-        <p:nvSpPr>
-          <p:cNvPr id="78" name="Google Shape;78;p31"/>
-          <p:cNvSpPr txBox="1">
-            <a:spLocks noGrp="1"/>
-          </p:cNvSpPr>
-          <p:nvPr>
-            <p:ph type="sldNum" idx="12"/>
-          </p:nvPr>
-        </p:nvSpPr>
-        <p:spPr>
-          <a:xfrm>
-            <a:off x="8610600" y="6356350"/>
-            <a:ext cx="2743200" cy="365125"/>
-          </a:xfrm>
-          <a:prstGeom prst="rect">
-            <a:avLst/>
-          </a:prstGeom>
-          <a:noFill/>
-          <a:ln>
-            <a:noFill/>
-          </a:ln>
-        </p:spPr>
-        <p:txBody>
-          <a:bodyPr spcFirstLastPara="1" wrap="square" lIns="91425" tIns="45700" rIns="91425" bIns="45700" anchor="ctr" anchorCtr="0">
-            <a:noAutofit/>
-          </a:bodyPr>
-          <a:lstStyle>
-            <a:lvl1pPr marL="0" lvl="0" indent="0" algn="r">
-              <a:spcBef>
-                <a:spcPts val="0"/>
-              </a:spcBef>
-              <a:buNone/>
-              <a:defRPr/>
-            </a:lvl1pPr>
-            <a:lvl2pPr marL="0" lvl="1" indent="0" algn="r">
-              <a:spcBef>
-                <a:spcPts val="0"/>
-              </a:spcBef>
-              <a:buNone/>
-              <a:defRPr/>
-            </a:lvl2pPr>
-            <a:lvl3pPr marL="0" lvl="2" indent="0" algn="r">
-              <a:spcBef>
-                <a:spcPts val="0"/>
-              </a:spcBef>
-              <a:buNone/>
-              <a:defRPr/>
-            </a:lvl3pPr>
-            <a:lvl4pPr marL="0" lvl="3" indent="0" algn="r">
-              <a:spcBef>
-                <a:spcPts val="0"/>
-              </a:spcBef>
-              <a:buNone/>
-              <a:defRPr/>
-            </a:lvl4pPr>
-            <a:lvl5pPr marL="0" lvl="4" indent="0" algn="r">
-              <a:spcBef>
-                <a:spcPts val="0"/>
-              </a:spcBef>
-              <a:buNone/>
-              <a:defRPr/>
-            </a:lvl5pPr>
-            <a:lvl6pPr marL="0" lvl="5" indent="0" algn="r">
-              <a:spcBef>
-                <a:spcPts val="0"/>
-              </a:spcBef>
-              <a:buNone/>
-              <a:defRPr/>
-            </a:lvl6pPr>
-            <a:lvl7pPr marL="0" lvl="6" indent="0" algn="r">
-              <a:spcBef>
-                <a:spcPts val="0"/>
-              </a:spcBef>
-              <a:buNone/>
-              <a:defRPr/>
-            </a:lvl7pPr>
-            <a:lvl8pPr marL="0" lvl="7" indent="0" algn="r">
-              <a:spcBef>
-                <a:spcPts val="0"/>
-              </a:spcBef>
-              <a:buNone/>
-              <a:defRPr/>
-            </a:lvl8pPr>
-            <a:lvl9pPr marL="0" lvl="8" indent="0" algn="r">
-              <a:spcBef>
-                <a:spcPts val="0"/>
-              </a:spcBef>
-              <a:buNone/>
-              <a:defRPr/>
-            </a:lvl9pPr>
-          </a:lstStyle>
-          <a:p>
-            <a:pPr marL="0" lvl="0" indent="0" algn="r" rtl="0">
-              <a:spcBef>
-                <a:spcPts val="0"/>
-              </a:spcBef>
-              <a:spcAft>
-                <a:spcPts val="0"/>
-              </a:spcAft>
-              <a:buNone/>
-            </a:pPr>
-            <a:fld id="{00000000-1234-1234-1234-123412341234}" type="slidenum">
-              <a:rPr lang="en-US"/>
-              <a:t>‹#›</a:t>
-            </a:fld>
-            <a:endParaRPr/>
-          </a:p>
-        </p:txBody>
-      </p:sp>
-    </p:spTree>
-  </p:cSld>
-  <p:clrMapOvr>
-    <a:masterClrMapping/>
-  </p:clrMapOvr>
-</p:sldLayout>
-</file>
-
-<file path=ppt/slideLayouts/slideLayout11.xml><?xml version="1.0" encoding="utf-8"?>
 <p:sldLayout xmlns:a="http://schemas.openxmlformats.org/drawingml/2006/main" xmlns:r="http://schemas.openxmlformats.org/officeDocument/2006/relationships" xmlns:p="http://schemas.openxmlformats.org/presentationml/2006/main" matchingName="Vertical Title and Text" type="vertTitleAndTx">
   <p:cSld name="VERTICAL_TITLE_AND_VERTICAL_TEXT">
     <p:spTree>
@@ -6254,783 +5353,6 @@
 </file>
 
 <file path=ppt/slideLayouts/slideLayout2.xml><?xml version="1.0" encoding="utf-8"?>
-<p:sldLayout xmlns:a="http://schemas.openxmlformats.org/drawingml/2006/main" xmlns:r="http://schemas.openxmlformats.org/officeDocument/2006/relationships" xmlns:p="http://schemas.openxmlformats.org/presentationml/2006/main" matchingName="Title and Content" type="obj">
-  <p:cSld name="OBJECT">
-    <p:spTree>
-      <p:nvGrpSpPr>
-        <p:cNvPr id="1" name="Shape 21"/>
-        <p:cNvGrpSpPr/>
-        <p:nvPr/>
-      </p:nvGrpSpPr>
-      <p:grpSpPr>
-        <a:xfrm>
-          <a:off x="0" y="0"/>
-          <a:ext cx="0" cy="0"/>
-          <a:chOff x="0" y="0"/>
-          <a:chExt cx="0" cy="0"/>
-        </a:xfrm>
-      </p:grpSpPr>
-      <p:sp>
-        <p:nvSpPr>
-          <p:cNvPr id="22" name="Google Shape;22;p23"/>
-          <p:cNvSpPr txBox="1">
-            <a:spLocks noGrp="1"/>
-          </p:cNvSpPr>
-          <p:nvPr>
-            <p:ph type="title"/>
-          </p:nvPr>
-        </p:nvSpPr>
-        <p:spPr>
-          <a:xfrm>
-            <a:off x="838200" y="365125"/>
-            <a:ext cx="10515600" cy="1325563"/>
-          </a:xfrm>
-          <a:prstGeom prst="rect">
-            <a:avLst/>
-          </a:prstGeom>
-          <a:noFill/>
-          <a:ln>
-            <a:noFill/>
-          </a:ln>
-        </p:spPr>
-        <p:txBody>
-          <a:bodyPr spcFirstLastPara="1" wrap="square" lIns="91425" tIns="45700" rIns="91425" bIns="45700" anchor="ctr" anchorCtr="0">
-            <a:normAutofit/>
-          </a:bodyPr>
-          <a:lstStyle>
-            <a:lvl1pPr lvl="0" algn="l">
-              <a:lnSpc>
-                <a:spcPct val="90000"/>
-              </a:lnSpc>
-              <a:spcBef>
-                <a:spcPts val="0"/>
-              </a:spcBef>
-              <a:spcAft>
-                <a:spcPts val="0"/>
-              </a:spcAft>
-              <a:buClr>
-                <a:schemeClr val="dk1"/>
-              </a:buClr>
-              <a:buSzPts val="1800"/>
-              <a:buNone/>
-              <a:defRPr/>
-            </a:lvl1pPr>
-            <a:lvl2pPr lvl="1">
-              <a:spcBef>
-                <a:spcPts val="0"/>
-              </a:spcBef>
-              <a:spcAft>
-                <a:spcPts val="0"/>
-              </a:spcAft>
-              <a:buSzPts val="1400"/>
-              <a:buNone/>
-              <a:defRPr/>
-            </a:lvl2pPr>
-            <a:lvl3pPr lvl="2">
-              <a:spcBef>
-                <a:spcPts val="0"/>
-              </a:spcBef>
-              <a:spcAft>
-                <a:spcPts val="0"/>
-              </a:spcAft>
-              <a:buSzPts val="1400"/>
-              <a:buNone/>
-              <a:defRPr/>
-            </a:lvl3pPr>
-            <a:lvl4pPr lvl="3">
-              <a:spcBef>
-                <a:spcPts val="0"/>
-              </a:spcBef>
-              <a:spcAft>
-                <a:spcPts val="0"/>
-              </a:spcAft>
-              <a:buSzPts val="1400"/>
-              <a:buNone/>
-              <a:defRPr/>
-            </a:lvl4pPr>
-            <a:lvl5pPr lvl="4">
-              <a:spcBef>
-                <a:spcPts val="0"/>
-              </a:spcBef>
-              <a:spcAft>
-                <a:spcPts val="0"/>
-              </a:spcAft>
-              <a:buSzPts val="1400"/>
-              <a:buNone/>
-              <a:defRPr/>
-            </a:lvl5pPr>
-            <a:lvl6pPr lvl="5">
-              <a:spcBef>
-                <a:spcPts val="0"/>
-              </a:spcBef>
-              <a:spcAft>
-                <a:spcPts val="0"/>
-              </a:spcAft>
-              <a:buSzPts val="1400"/>
-              <a:buNone/>
-              <a:defRPr/>
-            </a:lvl6pPr>
-            <a:lvl7pPr lvl="6">
-              <a:spcBef>
-                <a:spcPts val="0"/>
-              </a:spcBef>
-              <a:spcAft>
-                <a:spcPts val="0"/>
-              </a:spcAft>
-              <a:buSzPts val="1400"/>
-              <a:buNone/>
-              <a:defRPr/>
-            </a:lvl7pPr>
-            <a:lvl8pPr lvl="7">
-              <a:spcBef>
-                <a:spcPts val="0"/>
-              </a:spcBef>
-              <a:spcAft>
-                <a:spcPts val="0"/>
-              </a:spcAft>
-              <a:buSzPts val="1400"/>
-              <a:buNone/>
-              <a:defRPr/>
-            </a:lvl8pPr>
-            <a:lvl9pPr lvl="8">
-              <a:spcBef>
-                <a:spcPts val="0"/>
-              </a:spcBef>
-              <a:spcAft>
-                <a:spcPts val="0"/>
-              </a:spcAft>
-              <a:buSzPts val="1400"/>
-              <a:buNone/>
-              <a:defRPr/>
-            </a:lvl9pPr>
-          </a:lstStyle>
-          <a:p>
-            <a:endParaRPr/>
-          </a:p>
-        </p:txBody>
-      </p:sp>
-      <p:sp>
-        <p:nvSpPr>
-          <p:cNvPr id="23" name="Google Shape;23;p23"/>
-          <p:cNvSpPr txBox="1">
-            <a:spLocks noGrp="1"/>
-          </p:cNvSpPr>
-          <p:nvPr>
-            <p:ph type="body" idx="1"/>
-          </p:nvPr>
-        </p:nvSpPr>
-        <p:spPr>
-          <a:xfrm>
-            <a:off x="838200" y="1825625"/>
-            <a:ext cx="10515600" cy="4351338"/>
-          </a:xfrm>
-          <a:prstGeom prst="rect">
-            <a:avLst/>
-          </a:prstGeom>
-          <a:noFill/>
-          <a:ln>
-            <a:noFill/>
-          </a:ln>
-        </p:spPr>
-        <p:txBody>
-          <a:bodyPr spcFirstLastPara="1" wrap="square" lIns="91425" tIns="45700" rIns="91425" bIns="45700" anchor="t" anchorCtr="0">
-            <a:normAutofit/>
-          </a:bodyPr>
-          <a:lstStyle>
-            <a:lvl1pPr marL="457200" lvl="0" indent="-342900" algn="l">
-              <a:lnSpc>
-                <a:spcPct val="90000"/>
-              </a:lnSpc>
-              <a:spcBef>
-                <a:spcPts val="1000"/>
-              </a:spcBef>
-              <a:spcAft>
-                <a:spcPts val="0"/>
-              </a:spcAft>
-              <a:buClr>
-                <a:schemeClr val="dk1"/>
-              </a:buClr>
-              <a:buSzPts val="1800"/>
-              <a:buChar char="•"/>
-              <a:defRPr/>
-            </a:lvl1pPr>
-            <a:lvl2pPr marL="914400" lvl="1" indent="-342900" algn="l">
-              <a:lnSpc>
-                <a:spcPct val="90000"/>
-              </a:lnSpc>
-              <a:spcBef>
-                <a:spcPts val="500"/>
-              </a:spcBef>
-              <a:spcAft>
-                <a:spcPts val="0"/>
-              </a:spcAft>
-              <a:buClr>
-                <a:schemeClr val="dk1"/>
-              </a:buClr>
-              <a:buSzPts val="1800"/>
-              <a:buChar char="•"/>
-              <a:defRPr/>
-            </a:lvl2pPr>
-            <a:lvl3pPr marL="1371600" lvl="2" indent="-342900" algn="l">
-              <a:lnSpc>
-                <a:spcPct val="90000"/>
-              </a:lnSpc>
-              <a:spcBef>
-                <a:spcPts val="500"/>
-              </a:spcBef>
-              <a:spcAft>
-                <a:spcPts val="0"/>
-              </a:spcAft>
-              <a:buClr>
-                <a:schemeClr val="dk1"/>
-              </a:buClr>
-              <a:buSzPts val="1800"/>
-              <a:buChar char="•"/>
-              <a:defRPr/>
-            </a:lvl3pPr>
-            <a:lvl4pPr marL="1828800" lvl="3" indent="-342900" algn="l">
-              <a:lnSpc>
-                <a:spcPct val="90000"/>
-              </a:lnSpc>
-              <a:spcBef>
-                <a:spcPts val="500"/>
-              </a:spcBef>
-              <a:spcAft>
-                <a:spcPts val="0"/>
-              </a:spcAft>
-              <a:buClr>
-                <a:schemeClr val="dk1"/>
-              </a:buClr>
-              <a:buSzPts val="1800"/>
-              <a:buChar char="•"/>
-              <a:defRPr/>
-            </a:lvl4pPr>
-            <a:lvl5pPr marL="2286000" lvl="4" indent="-342900" algn="l">
-              <a:lnSpc>
-                <a:spcPct val="90000"/>
-              </a:lnSpc>
-              <a:spcBef>
-                <a:spcPts val="500"/>
-              </a:spcBef>
-              <a:spcAft>
-                <a:spcPts val="0"/>
-              </a:spcAft>
-              <a:buClr>
-                <a:schemeClr val="dk1"/>
-              </a:buClr>
-              <a:buSzPts val="1800"/>
-              <a:buChar char="•"/>
-              <a:defRPr/>
-            </a:lvl5pPr>
-            <a:lvl6pPr marL="2743200" lvl="5" indent="-342900" algn="l">
-              <a:lnSpc>
-                <a:spcPct val="90000"/>
-              </a:lnSpc>
-              <a:spcBef>
-                <a:spcPts val="500"/>
-              </a:spcBef>
-              <a:spcAft>
-                <a:spcPts val="0"/>
-              </a:spcAft>
-              <a:buClr>
-                <a:schemeClr val="dk1"/>
-              </a:buClr>
-              <a:buSzPts val="1800"/>
-              <a:buChar char="•"/>
-              <a:defRPr/>
-            </a:lvl6pPr>
-            <a:lvl7pPr marL="3200400" lvl="6" indent="-342900" algn="l">
-              <a:lnSpc>
-                <a:spcPct val="90000"/>
-              </a:lnSpc>
-              <a:spcBef>
-                <a:spcPts val="500"/>
-              </a:spcBef>
-              <a:spcAft>
-                <a:spcPts val="0"/>
-              </a:spcAft>
-              <a:buClr>
-                <a:schemeClr val="dk1"/>
-              </a:buClr>
-              <a:buSzPts val="1800"/>
-              <a:buChar char="•"/>
-              <a:defRPr/>
-            </a:lvl7pPr>
-            <a:lvl8pPr marL="3657600" lvl="7" indent="-342900" algn="l">
-              <a:lnSpc>
-                <a:spcPct val="90000"/>
-              </a:lnSpc>
-              <a:spcBef>
-                <a:spcPts val="500"/>
-              </a:spcBef>
-              <a:spcAft>
-                <a:spcPts val="0"/>
-              </a:spcAft>
-              <a:buClr>
-                <a:schemeClr val="dk1"/>
-              </a:buClr>
-              <a:buSzPts val="1800"/>
-              <a:buChar char="•"/>
-              <a:defRPr/>
-            </a:lvl8pPr>
-            <a:lvl9pPr marL="4114800" lvl="8" indent="-342900" algn="l">
-              <a:lnSpc>
-                <a:spcPct val="90000"/>
-              </a:lnSpc>
-              <a:spcBef>
-                <a:spcPts val="500"/>
-              </a:spcBef>
-              <a:spcAft>
-                <a:spcPts val="0"/>
-              </a:spcAft>
-              <a:buClr>
-                <a:schemeClr val="dk1"/>
-              </a:buClr>
-              <a:buSzPts val="1800"/>
-              <a:buChar char="•"/>
-              <a:defRPr/>
-            </a:lvl9pPr>
-          </a:lstStyle>
-          <a:p>
-            <a:endParaRPr/>
-          </a:p>
-        </p:txBody>
-      </p:sp>
-      <p:sp>
-        <p:nvSpPr>
-          <p:cNvPr id="24" name="Google Shape;24;p23"/>
-          <p:cNvSpPr txBox="1">
-            <a:spLocks noGrp="1"/>
-          </p:cNvSpPr>
-          <p:nvPr>
-            <p:ph type="dt" idx="10"/>
-          </p:nvPr>
-        </p:nvSpPr>
-        <p:spPr>
-          <a:xfrm>
-            <a:off x="838200" y="6356350"/>
-            <a:ext cx="2743200" cy="365125"/>
-          </a:xfrm>
-          <a:prstGeom prst="rect">
-            <a:avLst/>
-          </a:prstGeom>
-          <a:noFill/>
-          <a:ln>
-            <a:noFill/>
-          </a:ln>
-        </p:spPr>
-        <p:txBody>
-          <a:bodyPr spcFirstLastPara="1" wrap="square" lIns="91425" tIns="45700" rIns="91425" bIns="45700" anchor="ctr" anchorCtr="0">
-            <a:noAutofit/>
-          </a:bodyPr>
-          <a:lstStyle>
-            <a:lvl1pPr lvl="0" algn="l">
-              <a:spcBef>
-                <a:spcPts val="0"/>
-              </a:spcBef>
-              <a:spcAft>
-                <a:spcPts val="0"/>
-              </a:spcAft>
-              <a:buSzPts val="1400"/>
-              <a:buNone/>
-              <a:defRPr/>
-            </a:lvl1pPr>
-            <a:lvl2pPr lvl="1" algn="l">
-              <a:spcBef>
-                <a:spcPts val="0"/>
-              </a:spcBef>
-              <a:spcAft>
-                <a:spcPts val="0"/>
-              </a:spcAft>
-              <a:buSzPts val="1400"/>
-              <a:buNone/>
-              <a:defRPr/>
-            </a:lvl2pPr>
-            <a:lvl3pPr lvl="2" algn="l">
-              <a:spcBef>
-                <a:spcPts val="0"/>
-              </a:spcBef>
-              <a:spcAft>
-                <a:spcPts val="0"/>
-              </a:spcAft>
-              <a:buSzPts val="1400"/>
-              <a:buNone/>
-              <a:defRPr/>
-            </a:lvl3pPr>
-            <a:lvl4pPr lvl="3" algn="l">
-              <a:spcBef>
-                <a:spcPts val="0"/>
-              </a:spcBef>
-              <a:spcAft>
-                <a:spcPts val="0"/>
-              </a:spcAft>
-              <a:buSzPts val="1400"/>
-              <a:buNone/>
-              <a:defRPr/>
-            </a:lvl4pPr>
-            <a:lvl5pPr lvl="4" algn="l">
-              <a:spcBef>
-                <a:spcPts val="0"/>
-              </a:spcBef>
-              <a:spcAft>
-                <a:spcPts val="0"/>
-              </a:spcAft>
-              <a:buSzPts val="1400"/>
-              <a:buNone/>
-              <a:defRPr/>
-            </a:lvl5pPr>
-            <a:lvl6pPr lvl="5" algn="l">
-              <a:spcBef>
-                <a:spcPts val="0"/>
-              </a:spcBef>
-              <a:spcAft>
-                <a:spcPts val="0"/>
-              </a:spcAft>
-              <a:buSzPts val="1400"/>
-              <a:buNone/>
-              <a:defRPr/>
-            </a:lvl6pPr>
-            <a:lvl7pPr lvl="6" algn="l">
-              <a:spcBef>
-                <a:spcPts val="0"/>
-              </a:spcBef>
-              <a:spcAft>
-                <a:spcPts val="0"/>
-              </a:spcAft>
-              <a:buSzPts val="1400"/>
-              <a:buNone/>
-              <a:defRPr/>
-            </a:lvl7pPr>
-            <a:lvl8pPr lvl="7" algn="l">
-              <a:spcBef>
-                <a:spcPts val="0"/>
-              </a:spcBef>
-              <a:spcAft>
-                <a:spcPts val="0"/>
-              </a:spcAft>
-              <a:buSzPts val="1400"/>
-              <a:buNone/>
-              <a:defRPr/>
-            </a:lvl8pPr>
-            <a:lvl9pPr lvl="8" algn="l">
-              <a:spcBef>
-                <a:spcPts val="0"/>
-              </a:spcBef>
-              <a:spcAft>
-                <a:spcPts val="0"/>
-              </a:spcAft>
-              <a:buSzPts val="1400"/>
-              <a:buNone/>
-              <a:defRPr/>
-            </a:lvl9pPr>
-          </a:lstStyle>
-          <a:p>
-            <a:endParaRPr/>
-          </a:p>
-        </p:txBody>
-      </p:sp>
-      <p:sp>
-        <p:nvSpPr>
-          <p:cNvPr id="25" name="Google Shape;25;p23"/>
-          <p:cNvSpPr txBox="1">
-            <a:spLocks noGrp="1"/>
-          </p:cNvSpPr>
-          <p:nvPr>
-            <p:ph type="ftr" idx="11"/>
-          </p:nvPr>
-        </p:nvSpPr>
-        <p:spPr>
-          <a:xfrm>
-            <a:off x="4038600" y="6356350"/>
-            <a:ext cx="4114800" cy="365125"/>
-          </a:xfrm>
-          <a:prstGeom prst="rect">
-            <a:avLst/>
-          </a:prstGeom>
-          <a:noFill/>
-          <a:ln>
-            <a:noFill/>
-          </a:ln>
-        </p:spPr>
-        <p:txBody>
-          <a:bodyPr spcFirstLastPara="1" wrap="square" lIns="91425" tIns="45700" rIns="91425" bIns="45700" anchor="ctr" anchorCtr="0">
-            <a:noAutofit/>
-          </a:bodyPr>
-          <a:lstStyle>
-            <a:lvl1pPr lvl="0" algn="ctr">
-              <a:spcBef>
-                <a:spcPts val="0"/>
-              </a:spcBef>
-              <a:spcAft>
-                <a:spcPts val="0"/>
-              </a:spcAft>
-              <a:buSzPts val="1400"/>
-              <a:buNone/>
-              <a:defRPr/>
-            </a:lvl1pPr>
-            <a:lvl2pPr lvl="1" algn="l">
-              <a:spcBef>
-                <a:spcPts val="0"/>
-              </a:spcBef>
-              <a:spcAft>
-                <a:spcPts val="0"/>
-              </a:spcAft>
-              <a:buSzPts val="1400"/>
-              <a:buNone/>
-              <a:defRPr/>
-            </a:lvl2pPr>
-            <a:lvl3pPr lvl="2" algn="l">
-              <a:spcBef>
-                <a:spcPts val="0"/>
-              </a:spcBef>
-              <a:spcAft>
-                <a:spcPts val="0"/>
-              </a:spcAft>
-              <a:buSzPts val="1400"/>
-              <a:buNone/>
-              <a:defRPr/>
-            </a:lvl3pPr>
-            <a:lvl4pPr lvl="3" algn="l">
-              <a:spcBef>
-                <a:spcPts val="0"/>
-              </a:spcBef>
-              <a:spcAft>
-                <a:spcPts val="0"/>
-              </a:spcAft>
-              <a:buSzPts val="1400"/>
-              <a:buNone/>
-              <a:defRPr/>
-            </a:lvl4pPr>
-            <a:lvl5pPr lvl="4" algn="l">
-              <a:spcBef>
-                <a:spcPts val="0"/>
-              </a:spcBef>
-              <a:spcAft>
-                <a:spcPts val="0"/>
-              </a:spcAft>
-              <a:buSzPts val="1400"/>
-              <a:buNone/>
-              <a:defRPr/>
-            </a:lvl5pPr>
-            <a:lvl6pPr lvl="5" algn="l">
-              <a:spcBef>
-                <a:spcPts val="0"/>
-              </a:spcBef>
-              <a:spcAft>
-                <a:spcPts val="0"/>
-              </a:spcAft>
-              <a:buSzPts val="1400"/>
-              <a:buNone/>
-              <a:defRPr/>
-            </a:lvl6pPr>
-            <a:lvl7pPr lvl="6" algn="l">
-              <a:spcBef>
-                <a:spcPts val="0"/>
-              </a:spcBef>
-              <a:spcAft>
-                <a:spcPts val="0"/>
-              </a:spcAft>
-              <a:buSzPts val="1400"/>
-              <a:buNone/>
-              <a:defRPr/>
-            </a:lvl7pPr>
-            <a:lvl8pPr lvl="7" algn="l">
-              <a:spcBef>
-                <a:spcPts val="0"/>
-              </a:spcBef>
-              <a:spcAft>
-                <a:spcPts val="0"/>
-              </a:spcAft>
-              <a:buSzPts val="1400"/>
-              <a:buNone/>
-              <a:defRPr/>
-            </a:lvl8pPr>
-            <a:lvl9pPr lvl="8" algn="l">
-              <a:spcBef>
-                <a:spcPts val="0"/>
-              </a:spcBef>
-              <a:spcAft>
-                <a:spcPts val="0"/>
-              </a:spcAft>
-              <a:buSzPts val="1400"/>
-              <a:buNone/>
-              <a:defRPr/>
-            </a:lvl9pPr>
-          </a:lstStyle>
-          <a:p>
-            <a:endParaRPr/>
-          </a:p>
-        </p:txBody>
-      </p:sp>
-      <p:sp>
-        <p:nvSpPr>
-          <p:cNvPr id="26" name="Google Shape;26;p23"/>
-          <p:cNvSpPr txBox="1">
-            <a:spLocks noGrp="1"/>
-          </p:cNvSpPr>
-          <p:nvPr>
-            <p:ph type="sldNum" idx="12"/>
-          </p:nvPr>
-        </p:nvSpPr>
-        <p:spPr>
-          <a:xfrm>
-            <a:off x="8610600" y="6356350"/>
-            <a:ext cx="2743200" cy="365125"/>
-          </a:xfrm>
-          <a:prstGeom prst="rect">
-            <a:avLst/>
-          </a:prstGeom>
-          <a:noFill/>
-          <a:ln>
-            <a:noFill/>
-          </a:ln>
-        </p:spPr>
-        <p:txBody>
-          <a:bodyPr spcFirstLastPara="1" wrap="square" lIns="91425" tIns="45700" rIns="91425" bIns="45700" anchor="ctr" anchorCtr="0">
-            <a:noAutofit/>
-          </a:bodyPr>
-          <a:lstStyle>
-            <a:lvl1pPr marL="0" lvl="0" indent="0" algn="r">
-              <a:spcBef>
-                <a:spcPts val="0"/>
-              </a:spcBef>
-              <a:buNone/>
-              <a:defRPr/>
-            </a:lvl1pPr>
-            <a:lvl2pPr marL="0" lvl="1" indent="0" algn="r">
-              <a:spcBef>
-                <a:spcPts val="0"/>
-              </a:spcBef>
-              <a:buNone/>
-              <a:defRPr/>
-            </a:lvl2pPr>
-            <a:lvl3pPr marL="0" lvl="2" indent="0" algn="r">
-              <a:spcBef>
-                <a:spcPts val="0"/>
-              </a:spcBef>
-              <a:buNone/>
-              <a:defRPr/>
-            </a:lvl3pPr>
-            <a:lvl4pPr marL="0" lvl="3" indent="0" algn="r">
-              <a:spcBef>
-                <a:spcPts val="0"/>
-              </a:spcBef>
-              <a:buNone/>
-              <a:defRPr/>
-            </a:lvl4pPr>
-            <a:lvl5pPr marL="0" lvl="4" indent="0" algn="r">
-              <a:spcBef>
-                <a:spcPts val="0"/>
-              </a:spcBef>
-              <a:buNone/>
-              <a:defRPr/>
-            </a:lvl5pPr>
-            <a:lvl6pPr marL="0" lvl="5" indent="0" algn="r">
-              <a:spcBef>
-                <a:spcPts val="0"/>
-              </a:spcBef>
-              <a:buNone/>
-              <a:defRPr/>
-            </a:lvl6pPr>
-            <a:lvl7pPr marL="0" lvl="6" indent="0" algn="r">
-              <a:spcBef>
-                <a:spcPts val="0"/>
-              </a:spcBef>
-              <a:buNone/>
-              <a:defRPr/>
-            </a:lvl7pPr>
-            <a:lvl8pPr marL="0" lvl="7" indent="0" algn="r">
-              <a:spcBef>
-                <a:spcPts val="0"/>
-              </a:spcBef>
-              <a:buNone/>
-              <a:defRPr/>
-            </a:lvl8pPr>
-            <a:lvl9pPr marL="0" lvl="8" indent="0" algn="r">
-              <a:spcBef>
-                <a:spcPts val="0"/>
-              </a:spcBef>
-              <a:buNone/>
-              <a:defRPr/>
-            </a:lvl9pPr>
-          </a:lstStyle>
-          <a:p>
-            <a:pPr marL="0" lvl="0" indent="0" algn="r" rtl="0">
-              <a:spcBef>
-                <a:spcPts val="0"/>
-              </a:spcBef>
-              <a:spcAft>
-                <a:spcPts val="0"/>
-              </a:spcAft>
-              <a:buNone/>
-            </a:pPr>
-            <a:fld id="{00000000-1234-1234-1234-123412341234}" type="slidenum">
-              <a:rPr lang="en-US"/>
-              <a:t>‹#›</a:t>
-            </a:fld>
-            <a:endParaRPr/>
-          </a:p>
-        </p:txBody>
-      </p:sp>
-      <p:sp>
-        <p:nvSpPr>
-          <p:cNvPr id="27" name="Google Shape;27;p23"/>
-          <p:cNvSpPr txBox="1"/>
-          <p:nvPr/>
-        </p:nvSpPr>
-        <p:spPr>
-          <a:xfrm>
-            <a:off x="168440" y="6349018"/>
-            <a:ext cx="1695083" cy="338554"/>
-          </a:xfrm>
-          <a:prstGeom prst="rect">
-            <a:avLst/>
-          </a:prstGeom>
-          <a:noFill/>
-          <a:ln>
-            <a:noFill/>
-          </a:ln>
-        </p:spPr>
-        <p:txBody>
-          <a:bodyPr spcFirstLastPara="1" wrap="square" lIns="91425" tIns="45700" rIns="91425" bIns="45700" anchor="t" anchorCtr="0">
-            <a:spAutoFit/>
-          </a:bodyPr>
-          <a:lstStyle/>
-          <a:p>
-            <a:pPr marL="0" marR="0" lvl="0" indent="0" algn="ctr" rtl="0">
-              <a:spcBef>
-                <a:spcPts val="0"/>
-              </a:spcBef>
-              <a:spcAft>
-                <a:spcPts val="0"/>
-              </a:spcAft>
-              <a:buNone/>
-            </a:pPr>
-            <a:r>
-              <a:rPr lang="en-US" sz="1600">
-                <a:solidFill>
-                  <a:schemeClr val="dk1"/>
-                </a:solidFill>
-                <a:latin typeface="Economica"/>
-                <a:ea typeface="Economica"/>
-                <a:cs typeface="Economica"/>
-                <a:sym typeface="Economica"/>
-              </a:rPr>
-              <a:t>© Gordon Burtch, 2022</a:t>
-            </a:r>
-            <a:endParaRPr/>
-          </a:p>
-        </p:txBody>
-      </p:sp>
-    </p:spTree>
-  </p:cSld>
-  <p:clrMapOvr>
-    <a:masterClrMapping/>
-  </p:clrMapOvr>
-</p:sldLayout>
-</file>
-
-<file path=ppt/slideLayouts/slideLayout3.xml><?xml version="1.0" encoding="utf-8"?>
 <p:sldLayout xmlns:a="http://schemas.openxmlformats.org/drawingml/2006/main" xmlns:r="http://schemas.openxmlformats.org/officeDocument/2006/relationships" xmlns:p="http://schemas.openxmlformats.org/presentationml/2006/main" matchingName="Section Header" type="secHead">
   <p:cSld name="SECTION_HEADER">
     <p:spTree>
@@ -7794,7 +6116,7 @@
 </p:sldLayout>
 </file>
 
-<file path=ppt/slideLayouts/slideLayout4.xml><?xml version="1.0" encoding="utf-8"?>
+<file path=ppt/slideLayouts/slideLayout3.xml><?xml version="1.0" encoding="utf-8"?>
 <p:sldLayout xmlns:a="http://schemas.openxmlformats.org/drawingml/2006/main" xmlns:r="http://schemas.openxmlformats.org/officeDocument/2006/relationships" xmlns:p="http://schemas.openxmlformats.org/presentationml/2006/main" matchingName="Two Content" type="twoObj">
   <p:cSld name="TWO_OBJECTS">
     <p:spTree>
@@ -8708,7 +7030,7 @@
 </p:sldLayout>
 </file>
 
-<file path=ppt/slideLayouts/slideLayout5.xml><?xml version="1.0" encoding="utf-8"?>
+<file path=ppt/slideLayouts/slideLayout4.xml><?xml version="1.0" encoding="utf-8"?>
 <p:sldLayout xmlns:a="http://schemas.openxmlformats.org/drawingml/2006/main" xmlns:r="http://schemas.openxmlformats.org/officeDocument/2006/relationships" xmlns:p="http://schemas.openxmlformats.org/presentationml/2006/main" matchingName="Comparison" type="twoTxTwoObj">
   <p:cSld name="TWO_OBJECTS_WITH_TEXT">
     <p:spTree>
@@ -9996,7 +8318,7 @@
 </p:sldLayout>
 </file>
 
-<file path=ppt/slideLayouts/slideLayout6.xml><?xml version="1.0" encoding="utf-8"?>
+<file path=ppt/slideLayouts/slideLayout5.xml><?xml version="1.0" encoding="utf-8"?>
 <p:sldLayout xmlns:a="http://schemas.openxmlformats.org/drawingml/2006/main" xmlns:r="http://schemas.openxmlformats.org/officeDocument/2006/relationships" xmlns:p="http://schemas.openxmlformats.org/presentationml/2006/main" matchingName="Title Only" type="titleOnly">
   <p:cSld name="TITLE_ONLY">
     <p:spTree>
@@ -10536,7 +8858,7 @@
 </p:sldLayout>
 </file>
 
-<file path=ppt/slideLayouts/slideLayout7.xml><?xml version="1.0" encoding="utf-8"?>
+<file path=ppt/slideLayouts/slideLayout6.xml><?xml version="1.0" encoding="utf-8"?>
 <p:sldLayout xmlns:a="http://schemas.openxmlformats.org/drawingml/2006/main" xmlns:r="http://schemas.openxmlformats.org/officeDocument/2006/relationships" xmlns:p="http://schemas.openxmlformats.org/presentationml/2006/main" matchingName="Blank" type="blank">
   <p:cSld name="BLANK">
     <p:spTree>
@@ -10937,7 +9259,7 @@
 </p:sldLayout>
 </file>
 
-<file path=ppt/slideLayouts/slideLayout8.xml><?xml version="1.0" encoding="utf-8"?>
+<file path=ppt/slideLayouts/slideLayout7.xml><?xml version="1.0" encoding="utf-8"?>
 <p:sldLayout xmlns:a="http://schemas.openxmlformats.org/drawingml/2006/main" xmlns:r="http://schemas.openxmlformats.org/officeDocument/2006/relationships" xmlns:p="http://schemas.openxmlformats.org/presentationml/2006/main" matchingName="Content with Caption" type="objTx">
   <p:cSld name="OBJECT_WITH_CAPTION_TEXT">
     <p:spTree>
@@ -11852,7 +10174,7 @@
 </p:sldLayout>
 </file>
 
-<file path=ppt/slideLayouts/slideLayout9.xml><?xml version="1.0" encoding="utf-8"?>
+<file path=ppt/slideLayouts/slideLayout8.xml><?xml version="1.0" encoding="utf-8"?>
 <p:sldLayout xmlns:a="http://schemas.openxmlformats.org/drawingml/2006/main" xmlns:r="http://schemas.openxmlformats.org/officeDocument/2006/relationships" xmlns:p="http://schemas.openxmlformats.org/presentationml/2006/main" matchingName="Picture with Caption" type="picTx">
   <p:cSld name="PICTURE_WITH_CAPTION_TEXT">
     <p:spTree>
@@ -12489,6 +10811,733 @@
       <p:sp>
         <p:nvSpPr>
           <p:cNvPr id="72" name="Google Shape;72;p30"/>
+          <p:cNvSpPr txBox="1">
+            <a:spLocks noGrp="1"/>
+          </p:cNvSpPr>
+          <p:nvPr>
+            <p:ph type="sldNum" idx="12"/>
+          </p:nvPr>
+        </p:nvSpPr>
+        <p:spPr>
+          <a:xfrm>
+            <a:off x="8610600" y="6356350"/>
+            <a:ext cx="2743200" cy="365125"/>
+          </a:xfrm>
+          <a:prstGeom prst="rect">
+            <a:avLst/>
+          </a:prstGeom>
+          <a:noFill/>
+          <a:ln>
+            <a:noFill/>
+          </a:ln>
+        </p:spPr>
+        <p:txBody>
+          <a:bodyPr spcFirstLastPara="1" wrap="square" lIns="91425" tIns="45700" rIns="91425" bIns="45700" anchor="ctr" anchorCtr="0">
+            <a:noAutofit/>
+          </a:bodyPr>
+          <a:lstStyle>
+            <a:lvl1pPr marL="0" lvl="0" indent="0" algn="r">
+              <a:spcBef>
+                <a:spcPts val="0"/>
+              </a:spcBef>
+              <a:buNone/>
+              <a:defRPr/>
+            </a:lvl1pPr>
+            <a:lvl2pPr marL="0" lvl="1" indent="0" algn="r">
+              <a:spcBef>
+                <a:spcPts val="0"/>
+              </a:spcBef>
+              <a:buNone/>
+              <a:defRPr/>
+            </a:lvl2pPr>
+            <a:lvl3pPr marL="0" lvl="2" indent="0" algn="r">
+              <a:spcBef>
+                <a:spcPts val="0"/>
+              </a:spcBef>
+              <a:buNone/>
+              <a:defRPr/>
+            </a:lvl3pPr>
+            <a:lvl4pPr marL="0" lvl="3" indent="0" algn="r">
+              <a:spcBef>
+                <a:spcPts val="0"/>
+              </a:spcBef>
+              <a:buNone/>
+              <a:defRPr/>
+            </a:lvl4pPr>
+            <a:lvl5pPr marL="0" lvl="4" indent="0" algn="r">
+              <a:spcBef>
+                <a:spcPts val="0"/>
+              </a:spcBef>
+              <a:buNone/>
+              <a:defRPr/>
+            </a:lvl5pPr>
+            <a:lvl6pPr marL="0" lvl="5" indent="0" algn="r">
+              <a:spcBef>
+                <a:spcPts val="0"/>
+              </a:spcBef>
+              <a:buNone/>
+              <a:defRPr/>
+            </a:lvl6pPr>
+            <a:lvl7pPr marL="0" lvl="6" indent="0" algn="r">
+              <a:spcBef>
+                <a:spcPts val="0"/>
+              </a:spcBef>
+              <a:buNone/>
+              <a:defRPr/>
+            </a:lvl7pPr>
+            <a:lvl8pPr marL="0" lvl="7" indent="0" algn="r">
+              <a:spcBef>
+                <a:spcPts val="0"/>
+              </a:spcBef>
+              <a:buNone/>
+              <a:defRPr/>
+            </a:lvl8pPr>
+            <a:lvl9pPr marL="0" lvl="8" indent="0" algn="r">
+              <a:spcBef>
+                <a:spcPts val="0"/>
+              </a:spcBef>
+              <a:buNone/>
+              <a:defRPr/>
+            </a:lvl9pPr>
+          </a:lstStyle>
+          <a:p>
+            <a:pPr marL="0" lvl="0" indent="0" algn="r" rtl="0">
+              <a:spcBef>
+                <a:spcPts val="0"/>
+              </a:spcBef>
+              <a:spcAft>
+                <a:spcPts val="0"/>
+              </a:spcAft>
+              <a:buNone/>
+            </a:pPr>
+            <a:fld id="{00000000-1234-1234-1234-123412341234}" type="slidenum">
+              <a:rPr lang="en-US"/>
+              <a:t>‹#›</a:t>
+            </a:fld>
+            <a:endParaRPr/>
+          </a:p>
+        </p:txBody>
+      </p:sp>
+    </p:spTree>
+  </p:cSld>
+  <p:clrMapOvr>
+    <a:masterClrMapping/>
+  </p:clrMapOvr>
+</p:sldLayout>
+</file>
+
+<file path=ppt/slideLayouts/slideLayout9.xml><?xml version="1.0" encoding="utf-8"?>
+<p:sldLayout xmlns:a="http://schemas.openxmlformats.org/drawingml/2006/main" xmlns:r="http://schemas.openxmlformats.org/officeDocument/2006/relationships" xmlns:p="http://schemas.openxmlformats.org/presentationml/2006/main" matchingName="Title and Vertical Text" type="vertTx">
+  <p:cSld name="VERTICAL_TEXT">
+    <p:spTree>
+      <p:nvGrpSpPr>
+        <p:cNvPr id="1" name="Shape 73"/>
+        <p:cNvGrpSpPr/>
+        <p:nvPr/>
+      </p:nvGrpSpPr>
+      <p:grpSpPr>
+        <a:xfrm>
+          <a:off x="0" y="0"/>
+          <a:ext cx="0" cy="0"/>
+          <a:chOff x="0" y="0"/>
+          <a:chExt cx="0" cy="0"/>
+        </a:xfrm>
+      </p:grpSpPr>
+      <p:sp>
+        <p:nvSpPr>
+          <p:cNvPr id="74" name="Google Shape;74;p31"/>
+          <p:cNvSpPr txBox="1">
+            <a:spLocks noGrp="1"/>
+          </p:cNvSpPr>
+          <p:nvPr>
+            <p:ph type="title"/>
+          </p:nvPr>
+        </p:nvSpPr>
+        <p:spPr>
+          <a:xfrm>
+            <a:off x="838200" y="365125"/>
+            <a:ext cx="10515600" cy="1325563"/>
+          </a:xfrm>
+          <a:prstGeom prst="rect">
+            <a:avLst/>
+          </a:prstGeom>
+          <a:noFill/>
+          <a:ln>
+            <a:noFill/>
+          </a:ln>
+        </p:spPr>
+        <p:txBody>
+          <a:bodyPr spcFirstLastPara="1" wrap="square" lIns="91425" tIns="45700" rIns="91425" bIns="45700" anchor="ctr" anchorCtr="0">
+            <a:normAutofit/>
+          </a:bodyPr>
+          <a:lstStyle>
+            <a:lvl1pPr lvl="0" algn="l">
+              <a:lnSpc>
+                <a:spcPct val="90000"/>
+              </a:lnSpc>
+              <a:spcBef>
+                <a:spcPts val="0"/>
+              </a:spcBef>
+              <a:spcAft>
+                <a:spcPts val="0"/>
+              </a:spcAft>
+              <a:buClr>
+                <a:schemeClr val="dk1"/>
+              </a:buClr>
+              <a:buSzPts val="1800"/>
+              <a:buNone/>
+              <a:defRPr/>
+            </a:lvl1pPr>
+            <a:lvl2pPr lvl="1">
+              <a:spcBef>
+                <a:spcPts val="0"/>
+              </a:spcBef>
+              <a:spcAft>
+                <a:spcPts val="0"/>
+              </a:spcAft>
+              <a:buSzPts val="1400"/>
+              <a:buNone/>
+              <a:defRPr/>
+            </a:lvl2pPr>
+            <a:lvl3pPr lvl="2">
+              <a:spcBef>
+                <a:spcPts val="0"/>
+              </a:spcBef>
+              <a:spcAft>
+                <a:spcPts val="0"/>
+              </a:spcAft>
+              <a:buSzPts val="1400"/>
+              <a:buNone/>
+              <a:defRPr/>
+            </a:lvl3pPr>
+            <a:lvl4pPr lvl="3">
+              <a:spcBef>
+                <a:spcPts val="0"/>
+              </a:spcBef>
+              <a:spcAft>
+                <a:spcPts val="0"/>
+              </a:spcAft>
+              <a:buSzPts val="1400"/>
+              <a:buNone/>
+              <a:defRPr/>
+            </a:lvl4pPr>
+            <a:lvl5pPr lvl="4">
+              <a:spcBef>
+                <a:spcPts val="0"/>
+              </a:spcBef>
+              <a:spcAft>
+                <a:spcPts val="0"/>
+              </a:spcAft>
+              <a:buSzPts val="1400"/>
+              <a:buNone/>
+              <a:defRPr/>
+            </a:lvl5pPr>
+            <a:lvl6pPr lvl="5">
+              <a:spcBef>
+                <a:spcPts val="0"/>
+              </a:spcBef>
+              <a:spcAft>
+                <a:spcPts val="0"/>
+              </a:spcAft>
+              <a:buSzPts val="1400"/>
+              <a:buNone/>
+              <a:defRPr/>
+            </a:lvl6pPr>
+            <a:lvl7pPr lvl="6">
+              <a:spcBef>
+                <a:spcPts val="0"/>
+              </a:spcBef>
+              <a:spcAft>
+                <a:spcPts val="0"/>
+              </a:spcAft>
+              <a:buSzPts val="1400"/>
+              <a:buNone/>
+              <a:defRPr/>
+            </a:lvl7pPr>
+            <a:lvl8pPr lvl="7">
+              <a:spcBef>
+                <a:spcPts val="0"/>
+              </a:spcBef>
+              <a:spcAft>
+                <a:spcPts val="0"/>
+              </a:spcAft>
+              <a:buSzPts val="1400"/>
+              <a:buNone/>
+              <a:defRPr/>
+            </a:lvl8pPr>
+            <a:lvl9pPr lvl="8">
+              <a:spcBef>
+                <a:spcPts val="0"/>
+              </a:spcBef>
+              <a:spcAft>
+                <a:spcPts val="0"/>
+              </a:spcAft>
+              <a:buSzPts val="1400"/>
+              <a:buNone/>
+              <a:defRPr/>
+            </a:lvl9pPr>
+          </a:lstStyle>
+          <a:p>
+            <a:endParaRPr/>
+          </a:p>
+        </p:txBody>
+      </p:sp>
+      <p:sp>
+        <p:nvSpPr>
+          <p:cNvPr id="75" name="Google Shape;75;p31"/>
+          <p:cNvSpPr txBox="1">
+            <a:spLocks noGrp="1"/>
+          </p:cNvSpPr>
+          <p:nvPr>
+            <p:ph type="body" idx="1"/>
+          </p:nvPr>
+        </p:nvSpPr>
+        <p:spPr>
+          <a:xfrm rot="5400000">
+            <a:off x="3920331" y="-1256506"/>
+            <a:ext cx="4351338" cy="10515600"/>
+          </a:xfrm>
+          <a:prstGeom prst="rect">
+            <a:avLst/>
+          </a:prstGeom>
+          <a:noFill/>
+          <a:ln>
+            <a:noFill/>
+          </a:ln>
+        </p:spPr>
+        <p:txBody>
+          <a:bodyPr spcFirstLastPara="1" wrap="square" lIns="91425" tIns="45700" rIns="91425" bIns="45700" anchor="t" anchorCtr="0">
+            <a:normAutofit/>
+          </a:bodyPr>
+          <a:lstStyle>
+            <a:lvl1pPr marL="457200" lvl="0" indent="-342900" algn="l">
+              <a:lnSpc>
+                <a:spcPct val="90000"/>
+              </a:lnSpc>
+              <a:spcBef>
+                <a:spcPts val="1000"/>
+              </a:spcBef>
+              <a:spcAft>
+                <a:spcPts val="0"/>
+              </a:spcAft>
+              <a:buClr>
+                <a:schemeClr val="dk1"/>
+              </a:buClr>
+              <a:buSzPts val="1800"/>
+              <a:buChar char="•"/>
+              <a:defRPr/>
+            </a:lvl1pPr>
+            <a:lvl2pPr marL="914400" lvl="1" indent="-342900" algn="l">
+              <a:lnSpc>
+                <a:spcPct val="90000"/>
+              </a:lnSpc>
+              <a:spcBef>
+                <a:spcPts val="500"/>
+              </a:spcBef>
+              <a:spcAft>
+                <a:spcPts val="0"/>
+              </a:spcAft>
+              <a:buClr>
+                <a:schemeClr val="dk1"/>
+              </a:buClr>
+              <a:buSzPts val="1800"/>
+              <a:buChar char="•"/>
+              <a:defRPr/>
+            </a:lvl2pPr>
+            <a:lvl3pPr marL="1371600" lvl="2" indent="-342900" algn="l">
+              <a:lnSpc>
+                <a:spcPct val="90000"/>
+              </a:lnSpc>
+              <a:spcBef>
+                <a:spcPts val="500"/>
+              </a:spcBef>
+              <a:spcAft>
+                <a:spcPts val="0"/>
+              </a:spcAft>
+              <a:buClr>
+                <a:schemeClr val="dk1"/>
+              </a:buClr>
+              <a:buSzPts val="1800"/>
+              <a:buChar char="•"/>
+              <a:defRPr/>
+            </a:lvl3pPr>
+            <a:lvl4pPr marL="1828800" lvl="3" indent="-342900" algn="l">
+              <a:lnSpc>
+                <a:spcPct val="90000"/>
+              </a:lnSpc>
+              <a:spcBef>
+                <a:spcPts val="500"/>
+              </a:spcBef>
+              <a:spcAft>
+                <a:spcPts val="0"/>
+              </a:spcAft>
+              <a:buClr>
+                <a:schemeClr val="dk1"/>
+              </a:buClr>
+              <a:buSzPts val="1800"/>
+              <a:buChar char="•"/>
+              <a:defRPr/>
+            </a:lvl4pPr>
+            <a:lvl5pPr marL="2286000" lvl="4" indent="-342900" algn="l">
+              <a:lnSpc>
+                <a:spcPct val="90000"/>
+              </a:lnSpc>
+              <a:spcBef>
+                <a:spcPts val="500"/>
+              </a:spcBef>
+              <a:spcAft>
+                <a:spcPts val="0"/>
+              </a:spcAft>
+              <a:buClr>
+                <a:schemeClr val="dk1"/>
+              </a:buClr>
+              <a:buSzPts val="1800"/>
+              <a:buChar char="•"/>
+              <a:defRPr/>
+            </a:lvl5pPr>
+            <a:lvl6pPr marL="2743200" lvl="5" indent="-342900" algn="l">
+              <a:lnSpc>
+                <a:spcPct val="90000"/>
+              </a:lnSpc>
+              <a:spcBef>
+                <a:spcPts val="500"/>
+              </a:spcBef>
+              <a:spcAft>
+                <a:spcPts val="0"/>
+              </a:spcAft>
+              <a:buClr>
+                <a:schemeClr val="dk1"/>
+              </a:buClr>
+              <a:buSzPts val="1800"/>
+              <a:buChar char="•"/>
+              <a:defRPr/>
+            </a:lvl6pPr>
+            <a:lvl7pPr marL="3200400" lvl="6" indent="-342900" algn="l">
+              <a:lnSpc>
+                <a:spcPct val="90000"/>
+              </a:lnSpc>
+              <a:spcBef>
+                <a:spcPts val="500"/>
+              </a:spcBef>
+              <a:spcAft>
+                <a:spcPts val="0"/>
+              </a:spcAft>
+              <a:buClr>
+                <a:schemeClr val="dk1"/>
+              </a:buClr>
+              <a:buSzPts val="1800"/>
+              <a:buChar char="•"/>
+              <a:defRPr/>
+            </a:lvl7pPr>
+            <a:lvl8pPr marL="3657600" lvl="7" indent="-342900" algn="l">
+              <a:lnSpc>
+                <a:spcPct val="90000"/>
+              </a:lnSpc>
+              <a:spcBef>
+                <a:spcPts val="500"/>
+              </a:spcBef>
+              <a:spcAft>
+                <a:spcPts val="0"/>
+              </a:spcAft>
+              <a:buClr>
+                <a:schemeClr val="dk1"/>
+              </a:buClr>
+              <a:buSzPts val="1800"/>
+              <a:buChar char="•"/>
+              <a:defRPr/>
+            </a:lvl8pPr>
+            <a:lvl9pPr marL="4114800" lvl="8" indent="-342900" algn="l">
+              <a:lnSpc>
+                <a:spcPct val="90000"/>
+              </a:lnSpc>
+              <a:spcBef>
+                <a:spcPts val="500"/>
+              </a:spcBef>
+              <a:spcAft>
+                <a:spcPts val="0"/>
+              </a:spcAft>
+              <a:buClr>
+                <a:schemeClr val="dk1"/>
+              </a:buClr>
+              <a:buSzPts val="1800"/>
+              <a:buChar char="•"/>
+              <a:defRPr/>
+            </a:lvl9pPr>
+          </a:lstStyle>
+          <a:p>
+            <a:endParaRPr/>
+          </a:p>
+        </p:txBody>
+      </p:sp>
+      <p:sp>
+        <p:nvSpPr>
+          <p:cNvPr id="76" name="Google Shape;76;p31"/>
+          <p:cNvSpPr txBox="1">
+            <a:spLocks noGrp="1"/>
+          </p:cNvSpPr>
+          <p:nvPr>
+            <p:ph type="dt" idx="10"/>
+          </p:nvPr>
+        </p:nvSpPr>
+        <p:spPr>
+          <a:xfrm>
+            <a:off x="838200" y="6356350"/>
+            <a:ext cx="2743200" cy="365125"/>
+          </a:xfrm>
+          <a:prstGeom prst="rect">
+            <a:avLst/>
+          </a:prstGeom>
+          <a:noFill/>
+          <a:ln>
+            <a:noFill/>
+          </a:ln>
+        </p:spPr>
+        <p:txBody>
+          <a:bodyPr spcFirstLastPara="1" wrap="square" lIns="91425" tIns="45700" rIns="91425" bIns="45700" anchor="ctr" anchorCtr="0">
+            <a:noAutofit/>
+          </a:bodyPr>
+          <a:lstStyle>
+            <a:lvl1pPr lvl="0" algn="l">
+              <a:spcBef>
+                <a:spcPts val="0"/>
+              </a:spcBef>
+              <a:spcAft>
+                <a:spcPts val="0"/>
+              </a:spcAft>
+              <a:buSzPts val="1400"/>
+              <a:buNone/>
+              <a:defRPr/>
+            </a:lvl1pPr>
+            <a:lvl2pPr lvl="1" algn="l">
+              <a:spcBef>
+                <a:spcPts val="0"/>
+              </a:spcBef>
+              <a:spcAft>
+                <a:spcPts val="0"/>
+              </a:spcAft>
+              <a:buSzPts val="1400"/>
+              <a:buNone/>
+              <a:defRPr/>
+            </a:lvl2pPr>
+            <a:lvl3pPr lvl="2" algn="l">
+              <a:spcBef>
+                <a:spcPts val="0"/>
+              </a:spcBef>
+              <a:spcAft>
+                <a:spcPts val="0"/>
+              </a:spcAft>
+              <a:buSzPts val="1400"/>
+              <a:buNone/>
+              <a:defRPr/>
+            </a:lvl3pPr>
+            <a:lvl4pPr lvl="3" algn="l">
+              <a:spcBef>
+                <a:spcPts val="0"/>
+              </a:spcBef>
+              <a:spcAft>
+                <a:spcPts val="0"/>
+              </a:spcAft>
+              <a:buSzPts val="1400"/>
+              <a:buNone/>
+              <a:defRPr/>
+            </a:lvl4pPr>
+            <a:lvl5pPr lvl="4" algn="l">
+              <a:spcBef>
+                <a:spcPts val="0"/>
+              </a:spcBef>
+              <a:spcAft>
+                <a:spcPts val="0"/>
+              </a:spcAft>
+              <a:buSzPts val="1400"/>
+              <a:buNone/>
+              <a:defRPr/>
+            </a:lvl5pPr>
+            <a:lvl6pPr lvl="5" algn="l">
+              <a:spcBef>
+                <a:spcPts val="0"/>
+              </a:spcBef>
+              <a:spcAft>
+                <a:spcPts val="0"/>
+              </a:spcAft>
+              <a:buSzPts val="1400"/>
+              <a:buNone/>
+              <a:defRPr/>
+            </a:lvl6pPr>
+            <a:lvl7pPr lvl="6" algn="l">
+              <a:spcBef>
+                <a:spcPts val="0"/>
+              </a:spcBef>
+              <a:spcAft>
+                <a:spcPts val="0"/>
+              </a:spcAft>
+              <a:buSzPts val="1400"/>
+              <a:buNone/>
+              <a:defRPr/>
+            </a:lvl7pPr>
+            <a:lvl8pPr lvl="7" algn="l">
+              <a:spcBef>
+                <a:spcPts val="0"/>
+              </a:spcBef>
+              <a:spcAft>
+                <a:spcPts val="0"/>
+              </a:spcAft>
+              <a:buSzPts val="1400"/>
+              <a:buNone/>
+              <a:defRPr/>
+            </a:lvl8pPr>
+            <a:lvl9pPr lvl="8" algn="l">
+              <a:spcBef>
+                <a:spcPts val="0"/>
+              </a:spcBef>
+              <a:spcAft>
+                <a:spcPts val="0"/>
+              </a:spcAft>
+              <a:buSzPts val="1400"/>
+              <a:buNone/>
+              <a:defRPr/>
+            </a:lvl9pPr>
+          </a:lstStyle>
+          <a:p>
+            <a:endParaRPr/>
+          </a:p>
+        </p:txBody>
+      </p:sp>
+      <p:sp>
+        <p:nvSpPr>
+          <p:cNvPr id="77" name="Google Shape;77;p31"/>
+          <p:cNvSpPr txBox="1">
+            <a:spLocks noGrp="1"/>
+          </p:cNvSpPr>
+          <p:nvPr>
+            <p:ph type="ftr" idx="11"/>
+          </p:nvPr>
+        </p:nvSpPr>
+        <p:spPr>
+          <a:xfrm>
+            <a:off x="4038600" y="6356350"/>
+            <a:ext cx="4114800" cy="365125"/>
+          </a:xfrm>
+          <a:prstGeom prst="rect">
+            <a:avLst/>
+          </a:prstGeom>
+          <a:noFill/>
+          <a:ln>
+            <a:noFill/>
+          </a:ln>
+        </p:spPr>
+        <p:txBody>
+          <a:bodyPr spcFirstLastPara="1" wrap="square" lIns="91425" tIns="45700" rIns="91425" bIns="45700" anchor="ctr" anchorCtr="0">
+            <a:noAutofit/>
+          </a:bodyPr>
+          <a:lstStyle>
+            <a:lvl1pPr lvl="0" algn="ctr">
+              <a:spcBef>
+                <a:spcPts val="0"/>
+              </a:spcBef>
+              <a:spcAft>
+                <a:spcPts val="0"/>
+              </a:spcAft>
+              <a:buSzPts val="1400"/>
+              <a:buNone/>
+              <a:defRPr/>
+            </a:lvl1pPr>
+            <a:lvl2pPr lvl="1" algn="l">
+              <a:spcBef>
+                <a:spcPts val="0"/>
+              </a:spcBef>
+              <a:spcAft>
+                <a:spcPts val="0"/>
+              </a:spcAft>
+              <a:buSzPts val="1400"/>
+              <a:buNone/>
+              <a:defRPr/>
+            </a:lvl2pPr>
+            <a:lvl3pPr lvl="2" algn="l">
+              <a:spcBef>
+                <a:spcPts val="0"/>
+              </a:spcBef>
+              <a:spcAft>
+                <a:spcPts val="0"/>
+              </a:spcAft>
+              <a:buSzPts val="1400"/>
+              <a:buNone/>
+              <a:defRPr/>
+            </a:lvl3pPr>
+            <a:lvl4pPr lvl="3" algn="l">
+              <a:spcBef>
+                <a:spcPts val="0"/>
+              </a:spcBef>
+              <a:spcAft>
+                <a:spcPts val="0"/>
+              </a:spcAft>
+              <a:buSzPts val="1400"/>
+              <a:buNone/>
+              <a:defRPr/>
+            </a:lvl4pPr>
+            <a:lvl5pPr lvl="4" algn="l">
+              <a:spcBef>
+                <a:spcPts val="0"/>
+              </a:spcBef>
+              <a:spcAft>
+                <a:spcPts val="0"/>
+              </a:spcAft>
+              <a:buSzPts val="1400"/>
+              <a:buNone/>
+              <a:defRPr/>
+            </a:lvl5pPr>
+            <a:lvl6pPr lvl="5" algn="l">
+              <a:spcBef>
+                <a:spcPts val="0"/>
+              </a:spcBef>
+              <a:spcAft>
+                <a:spcPts val="0"/>
+              </a:spcAft>
+              <a:buSzPts val="1400"/>
+              <a:buNone/>
+              <a:defRPr/>
+            </a:lvl6pPr>
+            <a:lvl7pPr lvl="6" algn="l">
+              <a:spcBef>
+                <a:spcPts val="0"/>
+              </a:spcBef>
+              <a:spcAft>
+                <a:spcPts val="0"/>
+              </a:spcAft>
+              <a:buSzPts val="1400"/>
+              <a:buNone/>
+              <a:defRPr/>
+            </a:lvl7pPr>
+            <a:lvl8pPr lvl="7" algn="l">
+              <a:spcBef>
+                <a:spcPts val="0"/>
+              </a:spcBef>
+              <a:spcAft>
+                <a:spcPts val="0"/>
+              </a:spcAft>
+              <a:buSzPts val="1400"/>
+              <a:buNone/>
+              <a:defRPr/>
+            </a:lvl8pPr>
+            <a:lvl9pPr lvl="8" algn="l">
+              <a:spcBef>
+                <a:spcPts val="0"/>
+              </a:spcBef>
+              <a:spcAft>
+                <a:spcPts val="0"/>
+              </a:spcAft>
+              <a:buSzPts val="1400"/>
+              <a:buNone/>
+              <a:defRPr/>
+            </a:lvl9pPr>
+          </a:lstStyle>
+          <a:p>
+            <a:endParaRPr/>
+          </a:p>
+        </p:txBody>
+      </p:sp>
+      <p:sp>
+        <p:nvSpPr>
+          <p:cNvPr id="78" name="Google Shape;78;p31"/>
           <p:cNvSpPr txBox="1">
             <a:spLocks noGrp="1"/>
           </p:cNvSpPr>
@@ -13642,16 +12691,15 @@
   <p:clrMap bg1="lt1" tx1="dk1" bg2="dk2" tx2="lt2" accent1="accent1" accent2="accent2" accent3="accent3" accent4="accent4" accent5="accent5" accent6="accent6" hlink="hlink" folHlink="folHlink"/>
   <p:sldLayoutIdLst>
     <p:sldLayoutId id="2147483649" r:id="rId1"/>
-    <p:sldLayoutId id="2147483650" r:id="rId2"/>
-    <p:sldLayoutId id="2147483651" r:id="rId3"/>
-    <p:sldLayoutId id="2147483652" r:id="rId4"/>
-    <p:sldLayoutId id="2147483653" r:id="rId5"/>
-    <p:sldLayoutId id="2147483654" r:id="rId6"/>
-    <p:sldLayoutId id="2147483655" r:id="rId7"/>
-    <p:sldLayoutId id="2147483656" r:id="rId8"/>
-    <p:sldLayoutId id="2147483657" r:id="rId9"/>
-    <p:sldLayoutId id="2147483658" r:id="rId10"/>
-    <p:sldLayoutId id="2147483659" r:id="rId11"/>
+    <p:sldLayoutId id="2147483651" r:id="rId2"/>
+    <p:sldLayoutId id="2147483652" r:id="rId3"/>
+    <p:sldLayoutId id="2147483653" r:id="rId4"/>
+    <p:sldLayoutId id="2147483654" r:id="rId5"/>
+    <p:sldLayoutId id="2147483655" r:id="rId6"/>
+    <p:sldLayoutId id="2147483656" r:id="rId7"/>
+    <p:sldLayoutId id="2147483657" r:id="rId8"/>
+    <p:sldLayoutId id="2147483658" r:id="rId9"/>
+    <p:sldLayoutId id="2147483659" r:id="rId10"/>
   </p:sldLayoutIdLst>
   <p:hf hdr="0" ftr="0" dt="0"/>
   <p:txStyles>
@@ -14704,7 +13752,7 @@
         <p:spPr>
           <a:xfrm>
             <a:off x="890337" y="1940249"/>
-            <a:ext cx="10016362" cy="1231106"/>
+            <a:ext cx="10016362" cy="1446509"/>
           </a:xfrm>
           <a:prstGeom prst="rect">
             <a:avLst/>
@@ -14730,7 +13778,7 @@
               <a:buNone/>
             </a:pPr>
             <a:r>
-              <a:rPr lang="en-US" sz="2000" b="1">
+              <a:rPr lang="en-US" sz="2000" b="1" dirty="0">
                 <a:solidFill>
                   <a:schemeClr val="dk1"/>
                 </a:solidFill>
@@ -14741,7 +13789,18 @@
               </a:rPr>
               <a:t>Padding</a:t>
             </a:r>
-            <a:endParaRPr/>
+            <a:br>
+              <a:rPr lang="en-US" sz="2000" b="1" dirty="0">
+                <a:solidFill>
+                  <a:schemeClr val="dk1"/>
+                </a:solidFill>
+                <a:latin typeface="Quicksand"/>
+                <a:ea typeface="Quicksand"/>
+                <a:cs typeface="Quicksand"/>
+                <a:sym typeface="Quicksand"/>
+              </a:rPr>
+            </a:br>
+            <a:endParaRPr dirty="0"/>
           </a:p>
           <a:p>
             <a:pPr marL="285750" marR="0" lvl="0" indent="-285750" algn="l" rtl="0">
@@ -14759,18 +13818,20 @@
               <a:buChar char="•"/>
             </a:pPr>
             <a:r>
-              <a:rPr lang="en-US" sz="1800">
+              <a:rPr lang="en-US" sz="1800" dirty="0">
                 <a:solidFill>
                   <a:schemeClr val="dk1"/>
                 </a:solidFill>
-                <a:latin typeface="Calibri"/>
+                <a:latin typeface="Quicksand" pitchFamily="2" charset="77"/>
                 <a:ea typeface="Calibri"/>
                 <a:cs typeface="Calibri"/>
                 <a:sym typeface="Calibri"/>
               </a:rPr>
               <a:t>To prevent the transformation from down-sampling (reducing the size of the matrix during convolution to output), we can pad the edges of the image with 0’s. </a:t>
             </a:r>
-            <a:endParaRPr/>
+            <a:endParaRPr dirty="0">
+              <a:latin typeface="Quicksand" pitchFamily="2" charset="77"/>
+            </a:endParaRPr>
           </a:p>
           <a:p>
             <a:pPr marL="285750" marR="0" lvl="0" indent="-171450" algn="l" rtl="0">
@@ -14787,7 +13848,7 @@
               <a:buFont typeface="Arial"/>
               <a:buNone/>
             </a:pPr>
-            <a:endParaRPr sz="1800">
+            <a:endParaRPr sz="1800" dirty="0">
               <a:solidFill>
                 <a:schemeClr val="dk1"/>
               </a:solidFill>
@@ -14945,7 +14006,7 @@
         <p:spPr>
           <a:xfrm>
             <a:off x="890337" y="1940249"/>
-            <a:ext cx="10016362" cy="954107"/>
+            <a:ext cx="10016362" cy="1169511"/>
           </a:xfrm>
           <a:prstGeom prst="rect">
             <a:avLst/>
@@ -14971,7 +14032,7 @@
               <a:buNone/>
             </a:pPr>
             <a:r>
-              <a:rPr lang="en-US" sz="2000" b="1">
+              <a:rPr lang="en-US" sz="2000" b="1" dirty="0">
                 <a:solidFill>
                   <a:schemeClr val="dk1"/>
                 </a:solidFill>
@@ -14982,7 +14043,18 @@
               </a:rPr>
               <a:t>Strides</a:t>
             </a:r>
-            <a:endParaRPr/>
+            <a:br>
+              <a:rPr lang="en-US" sz="2000" b="1" dirty="0">
+                <a:solidFill>
+                  <a:schemeClr val="dk1"/>
+                </a:solidFill>
+                <a:latin typeface="Quicksand"/>
+                <a:ea typeface="Quicksand"/>
+                <a:cs typeface="Quicksand"/>
+                <a:sym typeface="Quicksand"/>
+              </a:rPr>
+            </a:br>
+            <a:endParaRPr dirty="0"/>
           </a:p>
           <a:p>
             <a:pPr marL="285750" marR="0" lvl="0" indent="-285750" algn="l" rtl="0">
@@ -15000,18 +14072,20 @@
               <a:buChar char="•"/>
             </a:pPr>
             <a:r>
-              <a:rPr lang="en-US" sz="1800">
+              <a:rPr lang="en-US" sz="1800" dirty="0">
                 <a:solidFill>
                   <a:schemeClr val="dk1"/>
                 </a:solidFill>
-                <a:latin typeface="Calibri"/>
+                <a:latin typeface="Quicksand" pitchFamily="2" charset="77"/>
                 <a:ea typeface="Calibri"/>
                 <a:cs typeface="Calibri"/>
                 <a:sym typeface="Calibri"/>
               </a:rPr>
               <a:t>Often, we will pass the filter over every pixel cell, but we don’t have to; we might pass over every other cell. This is what strides refers to (skipping).</a:t>
             </a:r>
-            <a:endParaRPr/>
+            <a:endParaRPr dirty="0">
+              <a:latin typeface="Quicksand" pitchFamily="2" charset="77"/>
+            </a:endParaRPr>
           </a:p>
         </p:txBody>
       </p:sp>
@@ -15187,7 +14261,7 @@
               <a:buNone/>
             </a:pPr>
             <a:r>
-              <a:rPr lang="en-US" sz="2000" b="1">
+              <a:rPr lang="en-US" sz="2000" b="1" dirty="0">
                 <a:solidFill>
                   <a:schemeClr val="dk1"/>
                 </a:solidFill>
@@ -15198,7 +14272,7 @@
               </a:rPr>
               <a:t>Padding</a:t>
             </a:r>
-            <a:endParaRPr/>
+            <a:endParaRPr dirty="0"/>
           </a:p>
           <a:p>
             <a:pPr marL="285750" marR="0" lvl="0" indent="-285750" algn="l" rtl="0">
@@ -15216,7 +14290,7 @@
               <a:buChar char="•"/>
             </a:pPr>
             <a:r>
-              <a:rPr lang="en-US" sz="1800">
+              <a:rPr lang="en-US" sz="1800" dirty="0">
                 <a:solidFill>
                   <a:schemeClr val="dk1"/>
                 </a:solidFill>
@@ -15228,7 +14302,7 @@
               <a:t>To prevent the transformation from</a:t>
             </a:r>
             <a:br>
-              <a:rPr lang="en-US" sz="1800">
+              <a:rPr lang="en-US" sz="1800" dirty="0">
                 <a:solidFill>
                   <a:schemeClr val="dk1"/>
                 </a:solidFill>
@@ -15239,7 +14313,7 @@
               </a:rPr>
             </a:br>
             <a:r>
-              <a:rPr lang="en-US" sz="1800">
+              <a:rPr lang="en-US" sz="1800" dirty="0">
                 <a:solidFill>
                   <a:schemeClr val="dk1"/>
                 </a:solidFill>
@@ -15251,7 +14325,7 @@
               <a:t>down-sampling (reducing the size of the</a:t>
             </a:r>
             <a:br>
-              <a:rPr lang="en-US" sz="1800">
+              <a:rPr lang="en-US" sz="1800" dirty="0">
                 <a:solidFill>
                   <a:schemeClr val="dk1"/>
                 </a:solidFill>
@@ -15262,7 +14336,7 @@
               </a:rPr>
             </a:br>
             <a:r>
-              <a:rPr lang="en-US" sz="1800">
+              <a:rPr lang="en-US" sz="1800" dirty="0">
                 <a:solidFill>
                   <a:schemeClr val="dk1"/>
                 </a:solidFill>
@@ -15274,7 +14348,7 @@
               <a:t>matrix during convolution to output), </a:t>
             </a:r>
             <a:br>
-              <a:rPr lang="en-US" sz="1800">
+              <a:rPr lang="en-US" sz="1800" dirty="0">
                 <a:solidFill>
                   <a:schemeClr val="dk1"/>
                 </a:solidFill>
@@ -15285,7 +14359,7 @@
               </a:rPr>
             </a:br>
             <a:r>
-              <a:rPr lang="en-US" sz="1800">
+              <a:rPr lang="en-US" sz="1800" dirty="0">
                 <a:solidFill>
                   <a:schemeClr val="dk1"/>
                 </a:solidFill>
@@ -15296,7 +14370,7 @@
               </a:rPr>
               <a:t>we can pad the edges of the image with 0’s. </a:t>
             </a:r>
-            <a:endParaRPr/>
+            <a:endParaRPr dirty="0"/>
           </a:p>
           <a:p>
             <a:pPr marL="285750" marR="0" lvl="0" indent="-171450" algn="l" rtl="0">
@@ -15313,7 +14387,7 @@
               <a:buFont typeface="Arial"/>
               <a:buNone/>
             </a:pPr>
-            <a:endParaRPr sz="1800">
+            <a:endParaRPr sz="1800" dirty="0">
               <a:solidFill>
                 <a:schemeClr val="dk1"/>
               </a:solidFill>
@@ -15338,7 +14412,7 @@
               <a:buFont typeface="Arial"/>
               <a:buNone/>
             </a:pPr>
-            <a:endParaRPr sz="1800">
+            <a:endParaRPr sz="1800" dirty="0">
               <a:solidFill>
                 <a:schemeClr val="dk1"/>
               </a:solidFill>
@@ -15359,7 +14433,7 @@
               <a:buNone/>
             </a:pPr>
             <a:r>
-              <a:rPr lang="en-US" sz="2000" b="1">
+              <a:rPr lang="en-US" sz="2000" b="1" dirty="0">
                 <a:solidFill>
                   <a:schemeClr val="dk1"/>
                 </a:solidFill>
@@ -15370,7 +14444,7 @@
               </a:rPr>
               <a:t>Strides</a:t>
             </a:r>
-            <a:endParaRPr/>
+            <a:endParaRPr dirty="0"/>
           </a:p>
           <a:p>
             <a:pPr marL="285750" marR="0" lvl="0" indent="-285750" algn="l" rtl="0">
@@ -15388,7 +14462,7 @@
               <a:buChar char="•"/>
             </a:pPr>
             <a:r>
-              <a:rPr lang="en-US" sz="1800">
+              <a:rPr lang="en-US" sz="1800" dirty="0">
                 <a:solidFill>
                   <a:schemeClr val="dk1"/>
                 </a:solidFill>
@@ -15400,7 +14474,7 @@
               <a:t>Often, we will pass the filter over every</a:t>
             </a:r>
             <a:br>
-              <a:rPr lang="en-US" sz="1800">
+              <a:rPr lang="en-US" sz="1800" dirty="0">
                 <a:solidFill>
                   <a:schemeClr val="dk1"/>
                 </a:solidFill>
@@ -15411,7 +14485,7 @@
               </a:rPr>
             </a:br>
             <a:r>
-              <a:rPr lang="en-US" sz="1800">
+              <a:rPr lang="en-US" sz="1800" dirty="0">
                 <a:solidFill>
                   <a:schemeClr val="dk1"/>
                 </a:solidFill>
@@ -15423,7 +14497,7 @@
               <a:t>pixel cell, but we don’t have to; we might </a:t>
             </a:r>
             <a:br>
-              <a:rPr lang="en-US" sz="1800">
+              <a:rPr lang="en-US" sz="1800" dirty="0">
                 <a:solidFill>
                   <a:schemeClr val="dk1"/>
                 </a:solidFill>
@@ -15434,7 +14508,7 @@
               </a:rPr>
             </a:br>
             <a:r>
-              <a:rPr lang="en-US" sz="1800">
+              <a:rPr lang="en-US" sz="1800" dirty="0">
                 <a:solidFill>
                   <a:schemeClr val="dk1"/>
                 </a:solidFill>
@@ -15445,7 +14519,7 @@
               </a:rPr>
               <a:t>pass over every other cell.  </a:t>
             </a:r>
-            <a:endParaRPr/>
+            <a:endParaRPr dirty="0"/>
           </a:p>
           <a:p>
             <a:pPr marL="285750" marR="0" lvl="0" indent="-285750" algn="l" rtl="0">
@@ -15463,7 +14537,7 @@
               <a:buChar char="•"/>
             </a:pPr>
             <a:r>
-              <a:rPr lang="en-US" sz="1800">
+              <a:rPr lang="en-US" sz="1800" dirty="0">
                 <a:solidFill>
                   <a:schemeClr val="dk1"/>
                 </a:solidFill>
@@ -15474,7 +14548,7 @@
               </a:rPr>
               <a:t>This is what strides refers to (skipping).</a:t>
             </a:r>
-            <a:endParaRPr/>
+            <a:endParaRPr dirty="0"/>
           </a:p>
         </p:txBody>
       </p:sp>
@@ -15596,7 +14670,7 @@
               <a:buNone/>
             </a:pPr>
             <a:r>
-              <a:rPr lang="en-US" sz="2000" b="1">
+              <a:rPr lang="en-US" sz="2000" b="1" dirty="0">
                 <a:solidFill>
                   <a:schemeClr val="dk1"/>
                 </a:solidFill>
@@ -15607,7 +14681,7 @@
               </a:rPr>
               <a:t>Down-sampling Detected Features </a:t>
             </a:r>
-            <a:endParaRPr/>
+            <a:endParaRPr dirty="0"/>
           </a:p>
           <a:p>
             <a:pPr marL="285750" marR="0" lvl="0" indent="-285750" algn="l" rtl="0">
@@ -15625,7 +14699,19 @@
               <a:buChar char="•"/>
             </a:pPr>
             <a:r>
-              <a:rPr lang="en-US" sz="1800">
+              <a:rPr lang="en-US" sz="1800" dirty="0">
+                <a:solidFill>
+                  <a:schemeClr val="dk1"/>
+                </a:solidFill>
+                <a:latin typeface="Quicksand" pitchFamily="2" charset="77"/>
+                <a:ea typeface="Calibri"/>
+                <a:cs typeface="Calibri"/>
+                <a:sym typeface="Calibri"/>
+              </a:rPr>
+              <a:t>The idea is to compress the resulting data down into a coarser representation, to reduce model complexity, and to also force attention toward a broader section of the original image (helps reduce overfitting).</a:t>
+            </a:r>
+            <a:r>
+              <a:rPr lang="en-US" sz="1800" dirty="0">
                 <a:solidFill>
                   <a:schemeClr val="dk1"/>
                 </a:solidFill>
@@ -15634,9 +14720,9 @@
                 <a:cs typeface="Calibri"/>
                 <a:sym typeface="Calibri"/>
               </a:rPr>
-              <a:t>The idea is to compress the resulting data down into a coarser representation, to reduce model complexity, and to also force attention toward a broader section of the original image (helps reduce overfitting). </a:t>
+              <a:t> </a:t>
             </a:r>
-            <a:endParaRPr/>
+            <a:endParaRPr dirty="0"/>
           </a:p>
           <a:p>
             <a:pPr marL="285750" marR="0" lvl="0" indent="-171450" algn="l" rtl="0">
@@ -15653,7 +14739,7 @@
               <a:buFont typeface="Arial"/>
               <a:buNone/>
             </a:pPr>
-            <a:endParaRPr sz="1800">
+            <a:endParaRPr sz="1800" dirty="0">
               <a:solidFill>
                 <a:schemeClr val="dk1"/>
               </a:solidFill>
@@ -15674,7 +14760,7 @@
               <a:buNone/>
             </a:pPr>
             <a:r>
-              <a:rPr lang="en-US" sz="1800" b="1">
+              <a:rPr lang="en-US" sz="1800" b="1" dirty="0">
                 <a:solidFill>
                   <a:schemeClr val="dk1"/>
                 </a:solidFill>
@@ -15685,7 +14771,7 @@
               </a:rPr>
               <a:t>Forcing Attention to Larger Blocks of the Original Image</a:t>
             </a:r>
-            <a:endParaRPr/>
+            <a:endParaRPr dirty="0"/>
           </a:p>
           <a:p>
             <a:pPr marL="285750" marR="0" lvl="0" indent="-285750" algn="l" rtl="0">
@@ -15703,18 +14789,20 @@
               <a:buChar char="•"/>
             </a:pPr>
             <a:r>
-              <a:rPr lang="en-US" sz="1800">
+              <a:rPr lang="en-US" sz="1800" dirty="0">
                 <a:solidFill>
                   <a:schemeClr val="dk1"/>
                 </a:solidFill>
-                <a:latin typeface="Calibri"/>
+                <a:latin typeface="Quicksand" pitchFamily="2" charset="77"/>
                 <a:ea typeface="Calibri"/>
                 <a:cs typeface="Calibri"/>
                 <a:sym typeface="Calibri"/>
               </a:rPr>
               <a:t>Because we typically use stride = pool width, the pooling output is aggregating over segments of the input. </a:t>
             </a:r>
-            <a:endParaRPr/>
+            <a:endParaRPr dirty="0">
+              <a:latin typeface="Quicksand" pitchFamily="2" charset="77"/>
+            </a:endParaRPr>
           </a:p>
         </p:txBody>
       </p:sp>
@@ -15733,7 +14821,7 @@
         </p:blipFill>
         <p:spPr>
           <a:xfrm>
-            <a:off x="2528711" y="4050152"/>
+            <a:off x="2528711" y="4259064"/>
             <a:ext cx="2565054" cy="2344200"/>
           </a:xfrm>
           <a:prstGeom prst="rect">
@@ -15890,7 +14978,7 @@
               <a:buNone/>
             </a:pPr>
             <a:r>
-              <a:rPr lang="en-US" sz="2000" b="1">
+              <a:rPr lang="en-US" sz="2000" b="1" dirty="0">
                 <a:solidFill>
                   <a:schemeClr val="dk1"/>
                 </a:solidFill>
@@ -15901,7 +14989,7 @@
               </a:rPr>
               <a:t>Progressively More Filters</a:t>
             </a:r>
-            <a:endParaRPr/>
+            <a:endParaRPr dirty="0"/>
           </a:p>
           <a:p>
             <a:pPr marL="285750" marR="0" lvl="0" indent="-285750" algn="l" rtl="0">
@@ -15919,18 +15007,20 @@
               <a:buChar char="•"/>
             </a:pPr>
             <a:r>
-              <a:rPr lang="en-US" sz="1800">
+              <a:rPr lang="en-US" sz="1800" dirty="0">
                 <a:solidFill>
                   <a:schemeClr val="dk1"/>
                 </a:solidFill>
-                <a:latin typeface="Calibri"/>
+                <a:latin typeface="Quicksand" pitchFamily="2" charset="77"/>
                 <a:ea typeface="Calibri"/>
                 <a:cs typeface="Calibri"/>
                 <a:sym typeface="Calibri"/>
               </a:rPr>
               <a:t>As you move through the network, the number of features rises exponentially.</a:t>
             </a:r>
-            <a:endParaRPr/>
+            <a:endParaRPr dirty="0">
+              <a:latin typeface="Quicksand" pitchFamily="2" charset="77"/>
+            </a:endParaRPr>
           </a:p>
           <a:p>
             <a:pPr marL="285750" marR="0" lvl="0" indent="-285750" algn="l" rtl="0">
@@ -15948,18 +15038,20 @@
               <a:buChar char="•"/>
             </a:pPr>
             <a:r>
-              <a:rPr lang="en-US" sz="1800">
+              <a:rPr lang="en-US" sz="1800" dirty="0">
                 <a:solidFill>
                   <a:schemeClr val="dk1"/>
                 </a:solidFill>
-                <a:latin typeface="Calibri"/>
+                <a:latin typeface="Quicksand" pitchFamily="2" charset="77"/>
                 <a:ea typeface="Calibri"/>
                 <a:cs typeface="Calibri"/>
                 <a:sym typeface="Calibri"/>
               </a:rPr>
               <a:t>More filters as you move along means it allows more permutations / combinations </a:t>
             </a:r>
-            <a:endParaRPr/>
+            <a:endParaRPr dirty="0">
+              <a:latin typeface="Quicksand" pitchFamily="2" charset="77"/>
+            </a:endParaRPr>
           </a:p>
           <a:p>
             <a:pPr marL="0" marR="0" lvl="0" indent="0" algn="l" rtl="0">
@@ -15971,7 +15063,7 @@
               </a:spcAft>
               <a:buNone/>
             </a:pPr>
-            <a:endParaRPr sz="1800">
+            <a:endParaRPr sz="1800" dirty="0">
               <a:solidFill>
                 <a:schemeClr val="dk1"/>
               </a:solidFill>
@@ -15992,7 +15084,7 @@
               <a:buNone/>
             </a:pPr>
             <a:r>
-              <a:rPr lang="en-US" sz="2000" b="1">
+              <a:rPr lang="en-US" sz="2000" b="1" dirty="0">
                 <a:solidFill>
                   <a:schemeClr val="dk1"/>
                 </a:solidFill>
@@ -16003,7 +15095,7 @@
               </a:rPr>
               <a:t>Progressively Smaller Filter Maps</a:t>
             </a:r>
-            <a:endParaRPr/>
+            <a:endParaRPr dirty="0"/>
           </a:p>
           <a:p>
             <a:pPr marL="285750" marR="0" lvl="0" indent="-285750" algn="l" rtl="0">
@@ -16021,18 +15113,20 @@
               <a:buChar char="•"/>
             </a:pPr>
             <a:r>
-              <a:rPr lang="en-US" sz="1800">
+              <a:rPr lang="en-US" sz="1800" dirty="0">
                 <a:solidFill>
                   <a:schemeClr val="dk1"/>
                 </a:solidFill>
-                <a:latin typeface="Calibri"/>
+                <a:latin typeface="Quicksand" pitchFamily="2" charset="77"/>
                 <a:ea typeface="Calibri"/>
                 <a:cs typeface="Calibri"/>
                 <a:sym typeface="Calibri"/>
               </a:rPr>
               <a:t>Smaller filter map arises from the pooling steps, which means that each element of the final map distills features (high level features, derived from low level features, derived from raw pixels) derived from a larger segment of the original picture.</a:t>
             </a:r>
-            <a:endParaRPr/>
+            <a:endParaRPr dirty="0">
+              <a:latin typeface="Quicksand" pitchFamily="2" charset="77"/>
+            </a:endParaRPr>
           </a:p>
           <a:p>
             <a:pPr marL="285750" marR="0" lvl="0" indent="-171450" algn="l" rtl="0">
@@ -16049,7 +15143,7 @@
               <a:buFont typeface="Arial"/>
               <a:buNone/>
             </a:pPr>
-            <a:endParaRPr sz="1800">
+            <a:endParaRPr sz="1800" dirty="0">
               <a:solidFill>
                 <a:schemeClr val="dk1"/>
               </a:solidFill>
@@ -16206,7 +15300,7 @@
               <a:buNone/>
             </a:pPr>
             <a:r>
-              <a:rPr lang="en-US" sz="2000" b="1">
+              <a:rPr lang="en-US" sz="2000" b="1" dirty="0">
                 <a:solidFill>
                   <a:schemeClr val="dk1"/>
                 </a:solidFill>
@@ -16217,7 +15311,7 @@
               </a:rPr>
               <a:t>Construct Repeating ‘Blocks’ of Layers</a:t>
             </a:r>
-            <a:endParaRPr/>
+            <a:endParaRPr dirty="0"/>
           </a:p>
           <a:p>
             <a:pPr marL="285750" marR="0" lvl="0" indent="-285750" algn="l" rtl="0">
@@ -16235,18 +15329,20 @@
               <a:buChar char="•"/>
             </a:pPr>
             <a:r>
-              <a:rPr lang="en-US" sz="1800">
+              <a:rPr lang="en-US" sz="1800" dirty="0">
                 <a:solidFill>
                   <a:schemeClr val="dk1"/>
                 </a:solidFill>
-                <a:latin typeface="Calibri"/>
+                <a:latin typeface="Quicksand" pitchFamily="2" charset="77"/>
                 <a:ea typeface="Calibri"/>
                 <a:cs typeface="Calibri"/>
                 <a:sym typeface="Calibri"/>
               </a:rPr>
               <a:t>Convolution, Pooling, Residual Connection, Convolution, Pooling, Residual Connection…</a:t>
             </a:r>
-            <a:endParaRPr/>
+            <a:endParaRPr dirty="0">
+              <a:latin typeface="Quicksand" pitchFamily="2" charset="77"/>
+            </a:endParaRPr>
           </a:p>
           <a:p>
             <a:pPr marL="285750" marR="0" lvl="0" indent="-285750" algn="l" rtl="0">
@@ -16264,18 +15360,20 @@
               <a:buChar char="•"/>
             </a:pPr>
             <a:r>
-              <a:rPr lang="en-US" sz="1800">
+              <a:rPr lang="en-US" sz="1800" dirty="0">
                 <a:solidFill>
                   <a:schemeClr val="dk1"/>
                 </a:solidFill>
-                <a:latin typeface="Calibri"/>
+                <a:latin typeface="Quicksand" pitchFamily="2" charset="77"/>
                 <a:ea typeface="Calibri"/>
                 <a:cs typeface="Calibri"/>
                 <a:sym typeface="Calibri"/>
               </a:rPr>
               <a:t>In deep networks, vanishing gradient problem arises because there is noise in every step, and if we go far enough back the noise overwhelms the signal. The residual connections help ensure we have more signal than noise.</a:t>
             </a:r>
-            <a:endParaRPr/>
+            <a:endParaRPr dirty="0">
+              <a:latin typeface="Quicksand" pitchFamily="2" charset="77"/>
+            </a:endParaRPr>
           </a:p>
           <a:p>
             <a:pPr marL="0" marR="0" lvl="0" indent="0" algn="l" rtl="0">
@@ -16287,7 +15385,7 @@
               </a:spcAft>
               <a:buNone/>
             </a:pPr>
-            <a:endParaRPr sz="1800">
+            <a:endParaRPr sz="1800" dirty="0">
               <a:solidFill>
                 <a:schemeClr val="dk1"/>
               </a:solidFill>
@@ -16312,7 +15410,7 @@
               <a:buFont typeface="Arial"/>
               <a:buNone/>
             </a:pPr>
-            <a:endParaRPr sz="1800">
+            <a:endParaRPr sz="1800" dirty="0">
               <a:solidFill>
                 <a:schemeClr val="dk1"/>
               </a:solidFill>
@@ -16470,7 +15568,7 @@
         <p:spPr>
           <a:xfrm>
             <a:off x="890337" y="1643896"/>
-            <a:ext cx="10016362" cy="3200876"/>
+            <a:ext cx="10016362" cy="3785611"/>
           </a:xfrm>
           <a:prstGeom prst="rect">
             <a:avLst/>
@@ -16496,18 +15594,20 @@
               <a:buNone/>
             </a:pPr>
             <a:r>
-              <a:rPr lang="en-US" sz="2000">
+              <a:rPr lang="en-US" sz="2000" dirty="0">
                 <a:solidFill>
                   <a:schemeClr val="dk1"/>
                 </a:solidFill>
-                <a:latin typeface="Calibri"/>
+                <a:latin typeface="Quicksand" pitchFamily="2" charset="77"/>
                 <a:ea typeface="Calibri"/>
                 <a:cs typeface="Calibri"/>
                 <a:sym typeface="Calibri"/>
               </a:rPr>
               <a:t>Take the convolutional base layers from someone else’s model, then…</a:t>
             </a:r>
-            <a:endParaRPr/>
+            <a:endParaRPr dirty="0">
+              <a:latin typeface="Quicksand" pitchFamily="2" charset="77"/>
+            </a:endParaRPr>
           </a:p>
           <a:p>
             <a:pPr marL="0" marR="0" lvl="0" indent="0" algn="l" rtl="0">
@@ -16519,7 +15619,7 @@
               </a:spcAft>
               <a:buNone/>
             </a:pPr>
-            <a:endParaRPr sz="2000" b="1">
+            <a:endParaRPr sz="2000" b="1" dirty="0">
               <a:solidFill>
                 <a:schemeClr val="dk1"/>
               </a:solidFill>
@@ -16540,7 +15640,7 @@
               <a:buNone/>
             </a:pPr>
             <a:r>
-              <a:rPr lang="en-US" sz="2000" b="1">
+              <a:rPr lang="en-US" sz="2000" b="1" dirty="0">
                 <a:solidFill>
                   <a:schemeClr val="dk1"/>
                 </a:solidFill>
@@ -16551,7 +15651,7 @@
               </a:rPr>
               <a:t>Two Options</a:t>
             </a:r>
-            <a:endParaRPr/>
+            <a:endParaRPr dirty="0"/>
           </a:p>
           <a:p>
             <a:pPr marL="285750" marR="0" lvl="0" indent="-285750" algn="l" rtl="0">
@@ -16569,11 +15669,11 @@
               <a:buChar char="•"/>
             </a:pPr>
             <a:r>
-              <a:rPr lang="en-US" sz="1800" i="1" u="sng">
+              <a:rPr lang="en-US" sz="1800" i="1" u="sng" dirty="0">
                 <a:solidFill>
                   <a:schemeClr val="dk1"/>
                 </a:solidFill>
-                <a:latin typeface="Calibri"/>
+                <a:latin typeface="Quicksand" pitchFamily="2" charset="77"/>
                 <a:ea typeface="Calibri"/>
                 <a:cs typeface="Calibri"/>
                 <a:sym typeface="Calibri"/>
@@ -16581,18 +15681,20 @@
               <a:t>Feed Data Through Model Base:</a:t>
             </a:r>
             <a:r>
-              <a:rPr lang="en-US" sz="1800">
+              <a:rPr lang="en-US" sz="1800" dirty="0">
                 <a:solidFill>
                   <a:schemeClr val="dk1"/>
                 </a:solidFill>
-                <a:latin typeface="Calibri"/>
+                <a:latin typeface="Quicksand" pitchFamily="2" charset="77"/>
                 <a:ea typeface="Calibri"/>
                 <a:cs typeface="Calibri"/>
                 <a:sym typeface="Calibri"/>
               </a:rPr>
               <a:t> feed your images through convolutional base, take the outputs, and then use those as your predictors, feeding them into a network of dense layers. </a:t>
             </a:r>
-            <a:endParaRPr/>
+            <a:endParaRPr dirty="0">
+              <a:latin typeface="Quicksand" pitchFamily="2" charset="77"/>
+            </a:endParaRPr>
           </a:p>
           <a:p>
             <a:pPr marL="285750" marR="0" lvl="0" indent="-285750" algn="l" rtl="0">
@@ -16610,11 +15712,11 @@
               <a:buChar char="•"/>
             </a:pPr>
             <a:r>
-              <a:rPr lang="en-US" sz="1800" i="1" u="sng">
+              <a:rPr lang="en-US" sz="1800" i="1" u="sng" dirty="0">
                 <a:solidFill>
                   <a:schemeClr val="dk1"/>
                 </a:solidFill>
-                <a:latin typeface="Calibri"/>
+                <a:latin typeface="Quicksand" pitchFamily="2" charset="77"/>
                 <a:ea typeface="Calibri"/>
                 <a:cs typeface="Calibri"/>
                 <a:sym typeface="Calibri"/>
@@ -16622,11 +15724,11 @@
               <a:t>Freeze Model Base and Include in Network:</a:t>
             </a:r>
             <a:r>
-              <a:rPr lang="en-US" sz="1800" i="1">
+              <a:rPr lang="en-US" sz="1800" i="1" dirty="0">
                 <a:solidFill>
                   <a:schemeClr val="dk1"/>
                 </a:solidFill>
-                <a:latin typeface="Calibri"/>
+                <a:latin typeface="Quicksand" pitchFamily="2" charset="77"/>
                 <a:ea typeface="Calibri"/>
                 <a:cs typeface="Calibri"/>
                 <a:sym typeface="Calibri"/>
@@ -16634,18 +15736,43 @@
               <a:t> </a:t>
             </a:r>
             <a:r>
-              <a:rPr lang="en-US" sz="1800">
+              <a:rPr lang="en-US" sz="1800" dirty="0">
                 <a:solidFill>
                   <a:schemeClr val="dk1"/>
                 </a:solidFill>
-                <a:latin typeface="Calibri"/>
+                <a:latin typeface="Quicksand" pitchFamily="2" charset="77"/>
                 <a:ea typeface="Calibri"/>
                 <a:cs typeface="Calibri"/>
                 <a:sym typeface="Calibri"/>
               </a:rPr>
               <a:t>Take the convolutional base layers from someone else’s model and freeze them (make parameters non-trainable), then stack your (trainable) Dense layers onto the end. This lets you add data-augmentation to the front of the model. </a:t>
             </a:r>
-            <a:endParaRPr sz="1800" i="1">
+            <a:endParaRPr sz="1800" i="1" dirty="0">
+              <a:solidFill>
+                <a:schemeClr val="dk1"/>
+              </a:solidFill>
+              <a:latin typeface="Quicksand" pitchFamily="2" charset="77"/>
+              <a:ea typeface="Calibri"/>
+              <a:cs typeface="Calibri"/>
+              <a:sym typeface="Calibri"/>
+            </a:endParaRPr>
+          </a:p>
+          <a:p>
+            <a:pPr marL="285750" marR="0" lvl="0" indent="-171450" algn="l" rtl="0">
+              <a:spcBef>
+                <a:spcPts val="0"/>
+              </a:spcBef>
+              <a:spcAft>
+                <a:spcPts val="0"/>
+              </a:spcAft>
+              <a:buClr>
+                <a:schemeClr val="dk1"/>
+              </a:buClr>
+              <a:buSzPts val="1800"/>
+              <a:buFont typeface="Arial"/>
+              <a:buNone/>
+            </a:pPr>
+            <a:endParaRPr sz="1800" dirty="0">
               <a:solidFill>
                 <a:schemeClr val="dk1"/>
               </a:solidFill>
@@ -16670,7 +15797,7 @@
               <a:buFont typeface="Arial"/>
               <a:buNone/>
             </a:pPr>
-            <a:endParaRPr sz="1800">
+            <a:endParaRPr sz="1800" dirty="0">
               <a:solidFill>
                 <a:schemeClr val="dk1"/>
               </a:solidFill>
@@ -16695,32 +15822,7 @@
               <a:buFont typeface="Arial"/>
               <a:buNone/>
             </a:pPr>
-            <a:endParaRPr sz="1800">
-              <a:solidFill>
-                <a:schemeClr val="dk1"/>
-              </a:solidFill>
-              <a:latin typeface="Calibri"/>
-              <a:ea typeface="Calibri"/>
-              <a:cs typeface="Calibri"/>
-              <a:sym typeface="Calibri"/>
-            </a:endParaRPr>
-          </a:p>
-          <a:p>
-            <a:pPr marL="285750" marR="0" lvl="0" indent="-171450" algn="l" rtl="0">
-              <a:spcBef>
-                <a:spcPts val="0"/>
-              </a:spcBef>
-              <a:spcAft>
-                <a:spcPts val="0"/>
-              </a:spcAft>
-              <a:buClr>
-                <a:schemeClr val="dk1"/>
-              </a:buClr>
-              <a:buSzPts val="1800"/>
-              <a:buFont typeface="Arial"/>
-              <a:buNone/>
-            </a:pPr>
-            <a:endParaRPr sz="1800">
+            <a:endParaRPr sz="1800" dirty="0">
               <a:solidFill>
                 <a:schemeClr val="dk1"/>
               </a:solidFill>
@@ -16747,7 +15849,7 @@
         </p:blipFill>
         <p:spPr>
           <a:xfrm>
-            <a:off x="4401354" y="4202438"/>
+            <a:off x="4401353" y="4441924"/>
             <a:ext cx="3389292" cy="2332235"/>
           </a:xfrm>
           <a:prstGeom prst="rect">
@@ -16843,7 +15945,7 @@
         <p:spPr>
           <a:xfrm>
             <a:off x="890337" y="1643896"/>
-            <a:ext cx="10016362" cy="2400657"/>
+            <a:ext cx="10016362" cy="2831504"/>
           </a:xfrm>
           <a:prstGeom prst="rect">
             <a:avLst/>
@@ -16869,18 +15971,20 @@
               <a:buNone/>
             </a:pPr>
             <a:r>
-              <a:rPr lang="en-US" sz="2000">
+              <a:rPr lang="en-US" sz="2000" dirty="0">
                 <a:solidFill>
                   <a:schemeClr val="dk1"/>
                 </a:solidFill>
-                <a:latin typeface="Calibri"/>
+                <a:latin typeface="Quicksand" pitchFamily="2" charset="77"/>
                 <a:ea typeface="Calibri"/>
                 <a:cs typeface="Calibri"/>
                 <a:sym typeface="Calibri"/>
               </a:rPr>
               <a:t>Take the convolutional base layers from someone else’s model, then…</a:t>
             </a:r>
-            <a:endParaRPr/>
+            <a:endParaRPr dirty="0">
+              <a:latin typeface="Quicksand" pitchFamily="2" charset="77"/>
+            </a:endParaRPr>
           </a:p>
           <a:p>
             <a:pPr marL="0" marR="0" lvl="0" indent="0" algn="l" rtl="0">
@@ -16892,11 +15996,11 @@
               </a:spcAft>
               <a:buNone/>
             </a:pPr>
-            <a:endParaRPr sz="2000" b="1">
+            <a:endParaRPr sz="2000" b="1" dirty="0">
               <a:solidFill>
                 <a:schemeClr val="dk1"/>
               </a:solidFill>
-              <a:latin typeface="Quicksand"/>
+              <a:latin typeface="Quicksand" pitchFamily="2" charset="77"/>
               <a:ea typeface="Quicksand"/>
               <a:cs typeface="Quicksand"/>
               <a:sym typeface="Quicksand"/>
@@ -16913,7 +16017,7 @@
               <a:buNone/>
             </a:pPr>
             <a:r>
-              <a:rPr lang="en-US" sz="2000" b="1">
+              <a:rPr lang="en-US" sz="2000" b="1" dirty="0">
                 <a:solidFill>
                   <a:schemeClr val="dk1"/>
                 </a:solidFill>
@@ -16924,7 +16028,18 @@
               </a:rPr>
               <a:t>Freeze Only the First Several Layers</a:t>
             </a:r>
-            <a:endParaRPr/>
+            <a:br>
+              <a:rPr lang="en-US" sz="2000" b="1" dirty="0">
+                <a:solidFill>
+                  <a:schemeClr val="dk1"/>
+                </a:solidFill>
+                <a:latin typeface="Quicksand"/>
+                <a:ea typeface="Quicksand"/>
+                <a:cs typeface="Quicksand"/>
+                <a:sym typeface="Quicksand"/>
+              </a:rPr>
+            </a:br>
+            <a:endParaRPr dirty="0"/>
           </a:p>
           <a:p>
             <a:pPr marL="285750" marR="0" lvl="0" indent="-285750" algn="l" rtl="0">
@@ -16942,11 +16057,11 @@
               <a:buChar char="•"/>
             </a:pPr>
             <a:r>
-              <a:rPr lang="en-US" sz="1800">
+              <a:rPr lang="en-US" sz="1800" dirty="0">
                 <a:solidFill>
                   <a:schemeClr val="dk1"/>
                 </a:solidFill>
-                <a:latin typeface="Calibri"/>
+                <a:latin typeface="Quicksand" pitchFamily="2" charset="77"/>
                 <a:ea typeface="Calibri"/>
                 <a:cs typeface="Calibri"/>
                 <a:sym typeface="Calibri"/>
@@ -16954,29 +16069,42 @@
               <a:t>Allow your network to modify / update the last few convolutional base </a:t>
             </a:r>
             <a:br>
-              <a:rPr lang="en-US" sz="1800">
+              <a:rPr lang="en-US" sz="1800" dirty="0">
                 <a:solidFill>
                   <a:schemeClr val="dk1"/>
                 </a:solidFill>
-                <a:latin typeface="Calibri"/>
+                <a:latin typeface="Quicksand" pitchFamily="2" charset="77"/>
                 <a:ea typeface="Calibri"/>
                 <a:cs typeface="Calibri"/>
                 <a:sym typeface="Calibri"/>
               </a:rPr>
             </a:br>
             <a:r>
-              <a:rPr lang="en-US" sz="1800">
+              <a:rPr lang="en-US" sz="1800" dirty="0">
                 <a:solidFill>
                   <a:schemeClr val="dk1"/>
                 </a:solidFill>
-                <a:latin typeface="Calibri"/>
+                <a:latin typeface="Quicksand" pitchFamily="2" charset="77"/>
                 <a:ea typeface="Calibri"/>
                 <a:cs typeface="Calibri"/>
                 <a:sym typeface="Calibri"/>
               </a:rPr>
               <a:t>layers as part of training, along with your own Dense layers… </a:t>
             </a:r>
-            <a:endParaRPr/>
+            <a:br>
+              <a:rPr lang="en-US" sz="1800" dirty="0">
+                <a:solidFill>
+                  <a:schemeClr val="dk1"/>
+                </a:solidFill>
+                <a:latin typeface="Quicksand" pitchFamily="2" charset="77"/>
+                <a:ea typeface="Calibri"/>
+                <a:cs typeface="Calibri"/>
+                <a:sym typeface="Calibri"/>
+              </a:rPr>
+            </a:br>
+            <a:endParaRPr dirty="0">
+              <a:latin typeface="Quicksand" pitchFamily="2" charset="77"/>
+            </a:endParaRPr>
           </a:p>
           <a:p>
             <a:pPr marL="285750" marR="0" lvl="0" indent="-285750" algn="l" rtl="0">
@@ -16994,18 +16122,20 @@
               <a:buChar char="•"/>
             </a:pPr>
             <a:r>
-              <a:rPr lang="en-US" sz="1800">
+              <a:rPr lang="en-US" sz="1800" dirty="0">
                 <a:solidFill>
                   <a:schemeClr val="dk1"/>
                 </a:solidFill>
-                <a:latin typeface="Calibri"/>
+                <a:latin typeface="Quicksand" pitchFamily="2" charset="77"/>
                 <a:ea typeface="Calibri"/>
                 <a:cs typeface="Calibri"/>
                 <a:sym typeface="Calibri"/>
               </a:rPr>
               <a:t>Iterate over the layers in the network and set the last few to be trainable.</a:t>
             </a:r>
-            <a:endParaRPr/>
+            <a:endParaRPr dirty="0">
+              <a:latin typeface="Quicksand" pitchFamily="2" charset="77"/>
+            </a:endParaRPr>
           </a:p>
           <a:p>
             <a:pPr marL="0" marR="0" lvl="0" indent="0" algn="l" rtl="0">
@@ -17017,7 +16147,7 @@
               </a:spcAft>
               <a:buNone/>
             </a:pPr>
-            <a:endParaRPr sz="1800">
+            <a:endParaRPr sz="1800" dirty="0">
               <a:solidFill>
                 <a:schemeClr val="dk1"/>
               </a:solidFill>
@@ -17042,7 +16172,7 @@
               <a:buFont typeface="Arial"/>
               <a:buNone/>
             </a:pPr>
-            <a:endParaRPr sz="1800">
+            <a:endParaRPr sz="1800" dirty="0">
               <a:solidFill>
                 <a:schemeClr val="dk1"/>
               </a:solidFill>
@@ -17096,7 +16226,7 @@
         </p:blipFill>
         <p:spPr>
           <a:xfrm>
-            <a:off x="2372783" y="4134604"/>
+            <a:off x="2372783" y="4475400"/>
             <a:ext cx="4737100" cy="1079500"/>
           </a:xfrm>
           <a:prstGeom prst="rect">
@@ -17124,294 +16254,6 @@
 </file>
 
 <file path=ppt/slides/slide18.xml><?xml version="1.0" encoding="utf-8"?>
-<p:sld xmlns:a="http://schemas.openxmlformats.org/drawingml/2006/main" xmlns:r="http://schemas.openxmlformats.org/officeDocument/2006/relationships" xmlns:p="http://schemas.openxmlformats.org/presentationml/2006/main" show="0">
-  <p:cSld>
-    <p:spTree>
-      <p:nvGrpSpPr>
-        <p:cNvPr id="1" name="Shape 225"/>
-        <p:cNvGrpSpPr/>
-        <p:nvPr/>
-      </p:nvGrpSpPr>
-      <p:grpSpPr>
-        <a:xfrm>
-          <a:off x="0" y="0"/>
-          <a:ext cx="0" cy="0"/>
-          <a:chOff x="0" y="0"/>
-          <a:chExt cx="0" cy="0"/>
-        </a:xfrm>
-      </p:grpSpPr>
-      <p:sp>
-        <p:nvSpPr>
-          <p:cNvPr id="226" name="Google Shape;226;p19"/>
-          <p:cNvSpPr txBox="1">
-            <a:spLocks noGrp="1"/>
-          </p:cNvSpPr>
-          <p:nvPr>
-            <p:ph type="sldNum" idx="12"/>
-          </p:nvPr>
-        </p:nvSpPr>
-        <p:spPr>
-          <a:xfrm>
-            <a:off x="8610600" y="6356350"/>
-            <a:ext cx="2743200" cy="365125"/>
-          </a:xfrm>
-          <a:prstGeom prst="rect">
-            <a:avLst/>
-          </a:prstGeom>
-          <a:noFill/>
-          <a:ln>
-            <a:noFill/>
-          </a:ln>
-        </p:spPr>
-        <p:txBody>
-          <a:bodyPr spcFirstLastPara="1" wrap="square" lIns="91425" tIns="45700" rIns="91425" bIns="45700" anchor="ctr" anchorCtr="0">
-            <a:noAutofit/>
-          </a:bodyPr>
-          <a:lstStyle/>
-          <a:p>
-            <a:pPr marL="0" lvl="0" indent="0" algn="r" rtl="0">
-              <a:spcBef>
-                <a:spcPts val="0"/>
-              </a:spcBef>
-              <a:spcAft>
-                <a:spcPts val="0"/>
-              </a:spcAft>
-              <a:buNone/>
-            </a:pPr>
-            <a:fld id="{00000000-1234-1234-1234-123412341234}" type="slidenum">
-              <a:rPr lang="en-US"/>
-              <a:t>18</a:t>
-            </a:fld>
-            <a:endParaRPr/>
-          </a:p>
-        </p:txBody>
-      </p:sp>
-      <p:sp>
-        <p:nvSpPr>
-          <p:cNvPr id="227" name="Google Shape;227;p19"/>
-          <p:cNvSpPr txBox="1"/>
-          <p:nvPr/>
-        </p:nvSpPr>
-        <p:spPr>
-          <a:xfrm>
-            <a:off x="1267235" y="280722"/>
-            <a:ext cx="9657521" cy="923330"/>
-          </a:xfrm>
-          <a:prstGeom prst="rect">
-            <a:avLst/>
-          </a:prstGeom>
-          <a:noFill/>
-          <a:ln>
-            <a:noFill/>
-          </a:ln>
-        </p:spPr>
-        <p:txBody>
-          <a:bodyPr spcFirstLastPara="1" wrap="square" lIns="91425" tIns="45700" rIns="91425" bIns="45700" anchor="t" anchorCtr="0">
-            <a:spAutoFit/>
-          </a:bodyPr>
-          <a:lstStyle/>
-          <a:p>
-            <a:pPr marL="0" marR="0" lvl="0" indent="0" algn="ctr" rtl="0">
-              <a:spcBef>
-                <a:spcPts val="0"/>
-              </a:spcBef>
-              <a:spcAft>
-                <a:spcPts val="0"/>
-              </a:spcAft>
-              <a:buNone/>
-            </a:pPr>
-            <a:r>
-              <a:rPr lang="en-US" sz="5400" dirty="0">
-                <a:solidFill>
-                  <a:schemeClr val="dk1"/>
-                </a:solidFill>
-                <a:latin typeface="Economica"/>
-                <a:ea typeface="Economica"/>
-                <a:cs typeface="Economica"/>
-                <a:sym typeface="Economica"/>
-              </a:rPr>
-              <a:t>Working with Multi-modal Data</a:t>
-            </a:r>
-            <a:endParaRPr dirty="0"/>
-          </a:p>
-        </p:txBody>
-      </p:sp>
-      <p:sp>
-        <p:nvSpPr>
-          <p:cNvPr id="228" name="Google Shape;228;p19"/>
-          <p:cNvSpPr txBox="1"/>
-          <p:nvPr/>
-        </p:nvSpPr>
-        <p:spPr>
-          <a:xfrm>
-            <a:off x="1087814" y="1348800"/>
-            <a:ext cx="10016362" cy="1938952"/>
-          </a:xfrm>
-          <a:prstGeom prst="rect">
-            <a:avLst/>
-          </a:prstGeom>
-          <a:noFill/>
-          <a:ln>
-            <a:noFill/>
-          </a:ln>
-        </p:spPr>
-        <p:txBody>
-          <a:bodyPr spcFirstLastPara="1" wrap="square" lIns="91425" tIns="45700" rIns="91425" bIns="45700" anchor="t" anchorCtr="0">
-            <a:spAutoFit/>
-          </a:bodyPr>
-          <a:lstStyle/>
-          <a:p>
-            <a:pPr marL="0" marR="0" lvl="0" indent="0" algn="l" rtl="0">
-              <a:spcBef>
-                <a:spcPts val="0"/>
-              </a:spcBef>
-              <a:spcAft>
-                <a:spcPts val="0"/>
-              </a:spcAft>
-              <a:buNone/>
-            </a:pPr>
-            <a:r>
-              <a:rPr lang="en-US" sz="2000" b="1" dirty="0">
-                <a:solidFill>
-                  <a:schemeClr val="dk1"/>
-                </a:solidFill>
-                <a:latin typeface="Quicksand"/>
-                <a:ea typeface="Quicksand"/>
-                <a:cs typeface="Quicksand"/>
-                <a:sym typeface="Quicksand"/>
-              </a:rPr>
-              <a:t>Multi-modal Prediction Exercise</a:t>
-            </a:r>
-          </a:p>
-          <a:p>
-            <a:pPr marL="0" marR="0" lvl="0" indent="0" algn="l" rtl="0">
-              <a:spcBef>
-                <a:spcPts val="0"/>
-              </a:spcBef>
-              <a:spcAft>
-                <a:spcPts val="0"/>
-              </a:spcAft>
-              <a:buNone/>
-            </a:pPr>
-            <a:endParaRPr sz="1400" dirty="0">
-              <a:solidFill>
-                <a:schemeClr val="dk1"/>
-              </a:solidFill>
-              <a:latin typeface="Quicksand"/>
-              <a:ea typeface="Quicksand"/>
-              <a:cs typeface="Quicksand"/>
-              <a:sym typeface="Quicksand"/>
-            </a:endParaRPr>
-          </a:p>
-          <a:p>
-            <a:pPr marL="628650" marR="0" lvl="1" indent="-171450" algn="l" rtl="0">
-              <a:spcBef>
-                <a:spcPts val="0"/>
-              </a:spcBef>
-              <a:spcAft>
-                <a:spcPts val="0"/>
-              </a:spcAft>
-              <a:buClr>
-                <a:schemeClr val="dk1"/>
-              </a:buClr>
-              <a:buSzPts val="1800"/>
-              <a:buFont typeface="Arial"/>
-              <a:buChar char="•"/>
-            </a:pPr>
-            <a:r>
-              <a:rPr lang="en-US" sz="1800" b="0" i="0" u="none" strike="noStrike" cap="none" dirty="0">
-                <a:solidFill>
-                  <a:schemeClr val="dk1"/>
-                </a:solidFill>
-                <a:latin typeface="Quicksand"/>
-                <a:ea typeface="Quicksand"/>
-                <a:cs typeface="Quicksand"/>
-                <a:sym typeface="Quicksand"/>
-              </a:rPr>
-              <a:t>Sample of real estate data that includes photos of houses (four of each), along with home characteristics as numeric features.</a:t>
-            </a:r>
-            <a:endParaRPr dirty="0"/>
-          </a:p>
-          <a:p>
-            <a:pPr marL="628650" marR="0" lvl="1" indent="-171450" algn="l" rtl="0">
-              <a:spcBef>
-                <a:spcPts val="0"/>
-              </a:spcBef>
-              <a:spcAft>
-                <a:spcPts val="0"/>
-              </a:spcAft>
-              <a:buClr>
-                <a:schemeClr val="dk1"/>
-              </a:buClr>
-              <a:buSzPts val="1800"/>
-              <a:buFont typeface="Arial"/>
-              <a:buChar char="•"/>
-            </a:pPr>
-            <a:r>
-              <a:rPr lang="en-US" sz="1800" b="0" i="0" u="none" strike="noStrike" cap="none" dirty="0">
-                <a:solidFill>
-                  <a:schemeClr val="dk1"/>
-                </a:solidFill>
-                <a:latin typeface="Quicksand"/>
-                <a:ea typeface="Quicksand"/>
-                <a:cs typeface="Quicksand"/>
-                <a:sym typeface="Quicksand"/>
-              </a:rPr>
-              <a:t>Goal is to use this multi-modal data to predict home price.</a:t>
-            </a:r>
-            <a:endParaRPr dirty="0"/>
-          </a:p>
-          <a:p>
-            <a:pPr marL="0" marR="0" lvl="0" indent="0" algn="l" rtl="0">
-              <a:spcBef>
-                <a:spcPts val="0"/>
-              </a:spcBef>
-              <a:spcAft>
-                <a:spcPts val="0"/>
-              </a:spcAft>
-              <a:buNone/>
-            </a:pPr>
-            <a:endParaRPr sz="1800" b="1" dirty="0">
-              <a:solidFill>
-                <a:schemeClr val="dk1"/>
-              </a:solidFill>
-              <a:latin typeface="Quicksand"/>
-              <a:ea typeface="Quicksand"/>
-              <a:cs typeface="Quicksand"/>
-              <a:sym typeface="Quicksand"/>
-            </a:endParaRPr>
-          </a:p>
-          <a:p>
-            <a:pPr marL="0" marR="0" lvl="0" indent="0" algn="l" rtl="0">
-              <a:spcBef>
-                <a:spcPts val="0"/>
-              </a:spcBef>
-              <a:spcAft>
-                <a:spcPts val="0"/>
-              </a:spcAft>
-              <a:buNone/>
-            </a:pPr>
-            <a:endParaRPr sz="1400" dirty="0">
-              <a:solidFill>
-                <a:schemeClr val="dk1"/>
-              </a:solidFill>
-              <a:latin typeface="Quicksand"/>
-              <a:ea typeface="Quicksand"/>
-              <a:cs typeface="Quicksand"/>
-              <a:sym typeface="Quicksand"/>
-            </a:endParaRPr>
-          </a:p>
-        </p:txBody>
-      </p:sp>
-    </p:spTree>
-  </p:cSld>
-  <p:clrMapOvr>
-    <a:masterClrMapping/>
-  </p:clrMapOvr>
-</p:sld>
-</file>
-
-<file path=ppt/slides/slide19.xml><?xml version="1.0" encoding="utf-8"?>
 <p:sld xmlns:a="http://schemas.openxmlformats.org/drawingml/2006/main" xmlns:r="http://schemas.openxmlformats.org/officeDocument/2006/relationships" xmlns:p="http://schemas.openxmlformats.org/presentationml/2006/main">
   <p:cSld>
     <p:spTree>
@@ -17621,14 +16463,16 @@
                 <a:solidFill>
                   <a:schemeClr val="dk1"/>
                 </a:solidFill>
-                <a:latin typeface="Calibri"/>
+                <a:latin typeface="Quicksand" pitchFamily="2" charset="77"/>
                 <a:ea typeface="Calibri"/>
                 <a:cs typeface="Calibri"/>
                 <a:sym typeface="Calibri"/>
               </a:rPr>
               <a:t>What CNNs try to accomplish</a:t>
             </a:r>
-            <a:endParaRPr dirty="0"/>
+            <a:endParaRPr dirty="0">
+              <a:latin typeface="Quicksand" pitchFamily="2" charset="77"/>
+            </a:endParaRPr>
           </a:p>
           <a:p>
             <a:pPr marL="285750" marR="0" lvl="0" indent="-285750" algn="l" rtl="0">
@@ -17650,14 +16494,16 @@
                 <a:solidFill>
                   <a:schemeClr val="dk1"/>
                 </a:solidFill>
-                <a:latin typeface="Calibri"/>
+                <a:latin typeface="Quicksand" pitchFamily="2" charset="77"/>
                 <a:ea typeface="Calibri"/>
                 <a:cs typeface="Calibri"/>
                 <a:sym typeface="Calibri"/>
               </a:rPr>
               <a:t>What is a convolution?</a:t>
             </a:r>
-            <a:endParaRPr dirty="0"/>
+            <a:endParaRPr dirty="0">
+              <a:latin typeface="Quicksand" pitchFamily="2" charset="77"/>
+            </a:endParaRPr>
           </a:p>
           <a:p>
             <a:pPr marL="742950" marR="0" lvl="1" indent="-285750" algn="l" rtl="0">
@@ -17679,14 +16525,16 @@
                 <a:solidFill>
                   <a:schemeClr val="dk1"/>
                 </a:solidFill>
-                <a:latin typeface="Calibri"/>
+                <a:latin typeface="Quicksand" pitchFamily="2" charset="77"/>
                 <a:ea typeface="Calibri"/>
                 <a:cs typeface="Calibri"/>
                 <a:sym typeface="Calibri"/>
               </a:rPr>
               <a:t>Padding, strides, filters</a:t>
             </a:r>
-            <a:endParaRPr dirty="0"/>
+            <a:endParaRPr dirty="0">
+              <a:latin typeface="Quicksand" pitchFamily="2" charset="77"/>
+            </a:endParaRPr>
           </a:p>
           <a:p>
             <a:pPr marL="285750" marR="0" lvl="0" indent="-285750" algn="l" rtl="0">
@@ -17708,14 +16556,16 @@
                 <a:solidFill>
                   <a:schemeClr val="dk1"/>
                 </a:solidFill>
-                <a:latin typeface="Calibri"/>
+                <a:latin typeface="Quicksand" pitchFamily="2" charset="77"/>
                 <a:ea typeface="Calibri"/>
                 <a:cs typeface="Calibri"/>
                 <a:sym typeface="Calibri"/>
               </a:rPr>
               <a:t>What is pooling? </a:t>
             </a:r>
-            <a:endParaRPr dirty="0"/>
+            <a:endParaRPr dirty="0">
+              <a:latin typeface="Quicksand" pitchFamily="2" charset="77"/>
+            </a:endParaRPr>
           </a:p>
           <a:p>
             <a:pPr marL="742950" marR="0" lvl="1" indent="-285750" algn="l" rtl="0">
@@ -17737,12 +16587,24 @@
                 <a:solidFill>
                   <a:schemeClr val="dk1"/>
                 </a:solidFill>
+                <a:latin typeface="Quicksand" pitchFamily="2" charset="77"/>
+                <a:ea typeface="Calibri"/>
+                <a:cs typeface="Calibri"/>
+                <a:sym typeface="Calibri"/>
+              </a:rPr>
+              <a:t>Max, min, avg pooling.</a:t>
+            </a:r>
+            <a:r>
+              <a:rPr lang="en-US" sz="1800" b="0" i="0" u="none" strike="noStrike" cap="none" dirty="0">
+                <a:solidFill>
+                  <a:schemeClr val="dk1"/>
+                </a:solidFill>
                 <a:latin typeface="Calibri"/>
                 <a:ea typeface="Calibri"/>
                 <a:cs typeface="Calibri"/>
                 <a:sym typeface="Calibri"/>
               </a:rPr>
-              <a:t>Max, min, avg pooling. </a:t>
+              <a:t> </a:t>
             </a:r>
             <a:endParaRPr dirty="0"/>
           </a:p>
@@ -17815,14 +16677,16 @@
                 <a:solidFill>
                   <a:schemeClr val="dk1"/>
                 </a:solidFill>
-                <a:latin typeface="Calibri"/>
+                <a:latin typeface="Quicksand" pitchFamily="2" charset="77"/>
                 <a:ea typeface="Calibri"/>
                 <a:cs typeface="Calibri"/>
                 <a:sym typeface="Calibri"/>
               </a:rPr>
               <a:t>CNN specific techniques to avoid overfitting (data augmentation).</a:t>
             </a:r>
-            <a:endParaRPr dirty="0"/>
+            <a:endParaRPr dirty="0">
+              <a:latin typeface="Quicksand" pitchFamily="2" charset="77"/>
+            </a:endParaRPr>
           </a:p>
           <a:p>
             <a:pPr marL="285750" marR="0" lvl="0" indent="-285750" algn="l" rtl="0">
@@ -17844,14 +16708,16 @@
                 <a:solidFill>
                   <a:schemeClr val="dk1"/>
                 </a:solidFill>
-                <a:latin typeface="Calibri"/>
+                <a:latin typeface="Quicksand" pitchFamily="2" charset="77"/>
                 <a:ea typeface="Calibri"/>
                 <a:cs typeface="Calibri"/>
                 <a:sym typeface="Calibri"/>
               </a:rPr>
               <a:t>Extracting feature representations from your trained model.</a:t>
             </a:r>
-            <a:endParaRPr dirty="0"/>
+            <a:endParaRPr dirty="0">
+              <a:latin typeface="Quicksand" pitchFamily="2" charset="77"/>
+            </a:endParaRPr>
           </a:p>
           <a:p>
             <a:pPr marL="285750" marR="0" lvl="0" indent="-285750" algn="l" rtl="0">
@@ -17873,14 +16739,16 @@
                 <a:solidFill>
                   <a:schemeClr val="dk1"/>
                 </a:solidFill>
-                <a:latin typeface="Calibri"/>
+                <a:latin typeface="Quicksand" pitchFamily="2" charset="77"/>
                 <a:ea typeface="Calibri"/>
                 <a:cs typeface="Calibri"/>
                 <a:sym typeface="Calibri"/>
               </a:rPr>
               <a:t>Adapting pre-trained models (transfer learning).</a:t>
             </a:r>
-            <a:endParaRPr dirty="0"/>
+            <a:endParaRPr dirty="0">
+              <a:latin typeface="Quicksand" pitchFamily="2" charset="77"/>
+            </a:endParaRPr>
           </a:p>
         </p:txBody>
       </p:sp>
@@ -17994,7 +16862,7 @@
               <a:buNone/>
             </a:pPr>
             <a:r>
-              <a:rPr lang="en-US" sz="2000" b="1">
+              <a:rPr lang="en-US" sz="2000" b="1" dirty="0">
                 <a:solidFill>
                   <a:schemeClr val="dk1"/>
                 </a:solidFill>
@@ -18005,7 +16873,7 @@
               </a:rPr>
               <a:t>Our Visual System</a:t>
             </a:r>
-            <a:endParaRPr/>
+            <a:endParaRPr dirty="0"/>
           </a:p>
           <a:p>
             <a:pPr marL="285750" marR="0" lvl="0" indent="-285750" algn="l" rtl="0">
@@ -18023,18 +16891,20 @@
               <a:buChar char="•"/>
             </a:pPr>
             <a:r>
-              <a:rPr lang="en-US" sz="1800">
+              <a:rPr lang="en-US" sz="1800" dirty="0">
                 <a:solidFill>
                   <a:schemeClr val="dk1"/>
                 </a:solidFill>
-                <a:latin typeface="Calibri"/>
+                <a:latin typeface="Quicksand" pitchFamily="2" charset="77"/>
                 <a:ea typeface="Calibri"/>
                 <a:cs typeface="Calibri"/>
                 <a:sym typeface="Calibri"/>
               </a:rPr>
               <a:t>Human eye is basically a 576-megapixel video camera.</a:t>
             </a:r>
-            <a:endParaRPr/>
+            <a:endParaRPr dirty="0">
+              <a:latin typeface="Quicksand" pitchFamily="2" charset="77"/>
+            </a:endParaRPr>
           </a:p>
           <a:p>
             <a:pPr marL="285750" marR="0" lvl="0" indent="-285750" algn="l" rtl="0">
@@ -18052,18 +16922,20 @@
               <a:buChar char="•"/>
             </a:pPr>
             <a:r>
-              <a:rPr lang="en-US" sz="1800">
+              <a:rPr lang="en-US" sz="1800" dirty="0">
                 <a:solidFill>
                   <a:schemeClr val="dk1"/>
                 </a:solidFill>
-                <a:latin typeface="Calibri"/>
+                <a:latin typeface="Quicksand" pitchFamily="2" charset="77"/>
                 <a:ea typeface="Calibri"/>
                 <a:cs typeface="Calibri"/>
                 <a:sym typeface="Calibri"/>
               </a:rPr>
               <a:t>For comparison, the Pixel 6 camera is 50-megapixels.</a:t>
             </a:r>
-            <a:endParaRPr/>
+            <a:endParaRPr dirty="0">
+              <a:latin typeface="Quicksand" pitchFamily="2" charset="77"/>
+            </a:endParaRPr>
           </a:p>
           <a:p>
             <a:pPr marL="285750" marR="0" lvl="0" indent="-285750" algn="l" rtl="0">
@@ -18081,11 +16953,11 @@
               <a:buChar char="•"/>
             </a:pPr>
             <a:r>
-              <a:rPr lang="en-US" sz="1800">
+              <a:rPr lang="en-US" sz="1800" dirty="0">
                 <a:solidFill>
                   <a:schemeClr val="dk1"/>
                 </a:solidFill>
-                <a:latin typeface="Calibri"/>
+                <a:latin typeface="Quicksand" pitchFamily="2" charset="77"/>
                 <a:ea typeface="Calibri"/>
                 <a:cs typeface="Calibri"/>
                 <a:sym typeface="Calibri"/>
@@ -18093,22 +16965,22 @@
               <a:t>The human field of vision is not a square; something like </a:t>
             </a:r>
             <a:br>
-              <a:rPr lang="en-US" sz="1800">
+              <a:rPr lang="en-US" sz="1800" dirty="0">
                 <a:solidFill>
                   <a:schemeClr val="dk1"/>
                 </a:solidFill>
-                <a:latin typeface="Calibri"/>
+                <a:latin typeface="Quicksand" pitchFamily="2" charset="77"/>
                 <a:ea typeface="Calibri"/>
                 <a:cs typeface="Calibri"/>
                 <a:sym typeface="Calibri"/>
               </a:rPr>
             </a:br>
             <a:r>
-              <a:rPr lang="en-US" sz="1800">
+              <a:rPr lang="en-US" sz="1800" dirty="0">
                 <a:solidFill>
                   <a:schemeClr val="dk1"/>
                 </a:solidFill>
-                <a:latin typeface="Calibri"/>
+                <a:latin typeface="Quicksand" pitchFamily="2" charset="77"/>
                 <a:ea typeface="Calibri"/>
                 <a:cs typeface="Calibri"/>
                 <a:sym typeface="Calibri"/>
@@ -18116,29 +16988,31 @@
               <a:t>a video camera that records individual image frames </a:t>
             </a:r>
             <a:br>
-              <a:rPr lang="en-US" sz="1800">
+              <a:rPr lang="en-US" sz="1800" dirty="0">
                 <a:solidFill>
                   <a:schemeClr val="dk1"/>
                 </a:solidFill>
-                <a:latin typeface="Calibri"/>
+                <a:latin typeface="Quicksand" pitchFamily="2" charset="77"/>
                 <a:ea typeface="Calibri"/>
                 <a:cs typeface="Calibri"/>
                 <a:sym typeface="Calibri"/>
               </a:rPr>
             </a:br>
             <a:r>
-              <a:rPr lang="en-US" sz="1800">
+              <a:rPr lang="en-US" sz="1800" dirty="0">
                 <a:solidFill>
                   <a:schemeClr val="dk1"/>
                 </a:solidFill>
-                <a:latin typeface="Calibri"/>
+                <a:latin typeface="Quicksand" pitchFamily="2" charset="77"/>
                 <a:ea typeface="Calibri"/>
                 <a:cs typeface="Calibri"/>
                 <a:sym typeface="Calibri"/>
               </a:rPr>
               <a:t>comprised of 24,000 x 24,000 pixels.  </a:t>
             </a:r>
-            <a:endParaRPr/>
+            <a:endParaRPr dirty="0">
+              <a:latin typeface="Quicksand" pitchFamily="2" charset="77"/>
+            </a:endParaRPr>
           </a:p>
         </p:txBody>
       </p:sp>
@@ -18237,7 +17111,7 @@
         <p:spPr>
           <a:xfrm>
             <a:off x="890337" y="1940249"/>
-            <a:ext cx="10016362" cy="2339102"/>
+            <a:ext cx="10016362" cy="2769949"/>
           </a:xfrm>
           <a:prstGeom prst="rect">
             <a:avLst/>
@@ -18263,7 +17137,7 @@
               <a:buNone/>
             </a:pPr>
             <a:r>
-              <a:rPr lang="en-US" sz="2000" b="1">
+              <a:rPr lang="en-US" sz="2000" b="1" dirty="0">
                 <a:solidFill>
                   <a:schemeClr val="dk1"/>
                 </a:solidFill>
@@ -18274,7 +17148,18 @@
               </a:rPr>
               <a:t>How Does Your Visual System Work? </a:t>
             </a:r>
-            <a:endParaRPr/>
+            <a:br>
+              <a:rPr lang="en-US" sz="2000" b="1" dirty="0">
+                <a:solidFill>
+                  <a:schemeClr val="dk1"/>
+                </a:solidFill>
+                <a:latin typeface="Quicksand"/>
+                <a:ea typeface="Quicksand"/>
+                <a:cs typeface="Quicksand"/>
+                <a:sym typeface="Quicksand"/>
+              </a:rPr>
+            </a:br>
+            <a:endParaRPr dirty="0"/>
           </a:p>
           <a:p>
             <a:pPr marL="285750" marR="0" lvl="0" indent="-285750" algn="l" rtl="0">
@@ -18292,18 +17177,31 @@
               <a:buChar char="•"/>
             </a:pPr>
             <a:r>
-              <a:rPr lang="en-US" sz="1800">
+              <a:rPr lang="en-US" sz="1800" dirty="0">
                 <a:solidFill>
                   <a:schemeClr val="dk1"/>
                 </a:solidFill>
-                <a:latin typeface="Calibri"/>
+                <a:latin typeface="Quicksand" pitchFamily="2" charset="77"/>
                 <a:ea typeface="Calibri"/>
                 <a:cs typeface="Calibri"/>
                 <a:sym typeface="Calibri"/>
               </a:rPr>
               <a:t>We think that your brain processes individual visual receptors in groups, identifies combinations of inputs in proximity to one another that imply something like an edge (edge detection), combines that with color and so on. These low-level features are then processed together to arrive at higher level objects (e.g., a nose, a mouth, an eye). </a:t>
             </a:r>
-            <a:endParaRPr/>
+            <a:br>
+              <a:rPr lang="en-US" sz="1800" dirty="0">
+                <a:solidFill>
+                  <a:schemeClr val="dk1"/>
+                </a:solidFill>
+                <a:latin typeface="Quicksand" pitchFamily="2" charset="77"/>
+                <a:ea typeface="Calibri"/>
+                <a:cs typeface="Calibri"/>
+                <a:sym typeface="Calibri"/>
+              </a:rPr>
+            </a:br>
+            <a:endParaRPr dirty="0">
+              <a:latin typeface="Quicksand" pitchFamily="2" charset="77"/>
+            </a:endParaRPr>
           </a:p>
           <a:p>
             <a:pPr marL="285750" marR="0" lvl="0" indent="-285750" algn="l" rtl="0">
@@ -18321,18 +17219,20 @@
               <a:buChar char="•"/>
             </a:pPr>
             <a:r>
-              <a:rPr lang="en-US" sz="1800">
+              <a:rPr lang="en-US" sz="1800" dirty="0">
                 <a:solidFill>
                   <a:schemeClr val="dk1"/>
                 </a:solidFill>
-                <a:latin typeface="Calibri"/>
+                <a:latin typeface="Quicksand" pitchFamily="2" charset="77"/>
                 <a:ea typeface="Calibri"/>
                 <a:cs typeface="Calibri"/>
                 <a:sym typeface="Calibri"/>
               </a:rPr>
               <a:t>Those higher-level features are then processed together to yield a face (perhaps someone we know or do not know). Hence why you might have a hard time recognizing someone who has a new haircut, or who is wearing a facemask! </a:t>
             </a:r>
-            <a:endParaRPr/>
+            <a:endParaRPr dirty="0">
+              <a:latin typeface="Quicksand" pitchFamily="2" charset="77"/>
+            </a:endParaRPr>
           </a:p>
         </p:txBody>
       </p:sp>
@@ -18401,7 +17301,7 @@
         </p:blipFill>
         <p:spPr>
           <a:xfrm>
-            <a:off x="4130313" y="4710461"/>
+            <a:off x="4130312" y="4971718"/>
             <a:ext cx="3931374" cy="1608144"/>
           </a:xfrm>
           <a:prstGeom prst="rect">
@@ -18620,7 +17520,7 @@
         </p:blipFill>
         <p:spPr>
           <a:xfrm>
-            <a:off x="4892368" y="3448354"/>
+            <a:off x="8277826" y="2294468"/>
             <a:ext cx="2407263" cy="3075470"/>
           </a:xfrm>
           <a:prstGeom prst="rect">
@@ -18641,7 +17541,7 @@
         <p:spPr>
           <a:xfrm>
             <a:off x="890337" y="1940249"/>
-            <a:ext cx="10016362" cy="1508105"/>
+            <a:ext cx="6460957" cy="2769949"/>
           </a:xfrm>
           <a:prstGeom prst="rect">
             <a:avLst/>
@@ -18667,7 +17567,7 @@
               <a:buNone/>
             </a:pPr>
             <a:r>
-              <a:rPr lang="en-US" sz="2000" b="1">
+              <a:rPr lang="en-US" sz="2000" b="1" dirty="0">
                 <a:solidFill>
                   <a:schemeClr val="dk1"/>
                 </a:solidFill>
@@ -18678,7 +17578,18 @@
               </a:rPr>
               <a:t>Hone-in On Sub-sections of the Image</a:t>
             </a:r>
-            <a:endParaRPr/>
+            <a:br>
+              <a:rPr lang="en-US" sz="2000" b="1" dirty="0">
+                <a:solidFill>
+                  <a:schemeClr val="dk1"/>
+                </a:solidFill>
+                <a:latin typeface="Quicksand"/>
+                <a:ea typeface="Quicksand"/>
+                <a:cs typeface="Quicksand"/>
+                <a:sym typeface="Quicksand"/>
+              </a:rPr>
+            </a:br>
+            <a:endParaRPr dirty="0"/>
           </a:p>
           <a:p>
             <a:pPr marL="285750" marR="0" lvl="0" indent="-285750" algn="l" rtl="0">
@@ -18696,18 +17607,31 @@
               <a:buChar char="•"/>
             </a:pPr>
             <a:r>
-              <a:rPr lang="en-US" sz="1800">
+              <a:rPr lang="en-US" sz="1800" dirty="0">
                 <a:solidFill>
                   <a:schemeClr val="dk1"/>
                 </a:solidFill>
-                <a:latin typeface="Calibri"/>
+                <a:latin typeface="Quicksand" pitchFamily="2" charset="77"/>
                 <a:ea typeface="Calibri"/>
                 <a:cs typeface="Calibri"/>
                 <a:sym typeface="Calibri"/>
               </a:rPr>
               <a:t>So, if we have a 28x28 image, we might separately consider 3x3 pixel subsection of that image. Each subsection (they can be overlapping) is represented by its own node in the first hidden layer. </a:t>
             </a:r>
-            <a:endParaRPr/>
+            <a:br>
+              <a:rPr lang="en-US" sz="1800" dirty="0">
+                <a:solidFill>
+                  <a:schemeClr val="dk1"/>
+                </a:solidFill>
+                <a:latin typeface="Quicksand" pitchFamily="2" charset="77"/>
+                <a:ea typeface="Calibri"/>
+                <a:cs typeface="Calibri"/>
+                <a:sym typeface="Calibri"/>
+              </a:rPr>
+            </a:br>
+            <a:endParaRPr dirty="0">
+              <a:latin typeface="Quicksand" pitchFamily="2" charset="77"/>
+            </a:endParaRPr>
           </a:p>
           <a:p>
             <a:pPr marL="285750" marR="0" lvl="0" indent="-285750" algn="l" rtl="0">
@@ -18725,18 +17649,20 @@
               <a:buChar char="•"/>
             </a:pPr>
             <a:r>
-              <a:rPr lang="en-US" sz="1800">
+              <a:rPr lang="en-US" sz="1800" dirty="0">
                 <a:solidFill>
                   <a:schemeClr val="dk1"/>
                 </a:solidFill>
-                <a:latin typeface="Calibri"/>
+                <a:latin typeface="Quicksand" pitchFamily="2" charset="77"/>
                 <a:ea typeface="Calibri"/>
                 <a:cs typeface="Calibri"/>
                 <a:sym typeface="Calibri"/>
               </a:rPr>
               <a:t>That local input matrix (subfield) is considered in tandem with a ‘filter’ a matrix of weights. A filter might be something like </a:t>
             </a:r>
-            <a:endParaRPr/>
+            <a:endParaRPr dirty="0">
+              <a:latin typeface="Quicksand" pitchFamily="2" charset="77"/>
+            </a:endParaRPr>
           </a:p>
         </p:txBody>
       </p:sp>
@@ -19033,8 +17959,8 @@
         </p:nvSpPr>
         <p:spPr>
           <a:xfrm>
-            <a:off x="890337" y="1940249"/>
-            <a:ext cx="10016362" cy="2062103"/>
+            <a:off x="890337" y="1685463"/>
+            <a:ext cx="10016362" cy="2769949"/>
           </a:xfrm>
           <a:prstGeom prst="rect">
             <a:avLst/>
@@ -19060,7 +17986,7 @@
               <a:buNone/>
             </a:pPr>
             <a:r>
-              <a:rPr lang="en-US" sz="2000" b="1">
+              <a:rPr lang="en-US" sz="2000" b="1" dirty="0">
                 <a:solidFill>
                   <a:schemeClr val="dk1"/>
                 </a:solidFill>
@@ -19071,7 +17997,18 @@
               </a:rPr>
               <a:t>Consider in Matrix Representation</a:t>
             </a:r>
-            <a:endParaRPr/>
+            <a:br>
+              <a:rPr lang="en-US" sz="2000" b="1" dirty="0">
+                <a:solidFill>
+                  <a:schemeClr val="dk1"/>
+                </a:solidFill>
+                <a:latin typeface="Quicksand"/>
+                <a:ea typeface="Quicksand"/>
+                <a:cs typeface="Quicksand"/>
+                <a:sym typeface="Quicksand"/>
+              </a:rPr>
+            </a:br>
+            <a:endParaRPr dirty="0"/>
           </a:p>
           <a:p>
             <a:pPr marL="285750" marR="0" lvl="0" indent="-285750" algn="l" rtl="0">
@@ -19089,18 +18026,31 @@
               <a:buChar char="•"/>
             </a:pPr>
             <a:r>
-              <a:rPr lang="en-US" sz="1800">
+              <a:rPr lang="en-US" sz="1800" dirty="0">
                 <a:solidFill>
                   <a:schemeClr val="dk1"/>
                 </a:solidFill>
-                <a:latin typeface="Calibri"/>
+                <a:latin typeface="Quicksand" pitchFamily="2" charset="77"/>
                 <a:ea typeface="Calibri"/>
                 <a:cs typeface="Calibri"/>
                 <a:sym typeface="Calibri"/>
               </a:rPr>
               <a:t>We have the raw image data (a.k.a. input feature map), the filter, and the result of passing our filter over our image (a.k.a. output feature map). We will have one output feature map for a given image, per filter (each filter is intended to detect a different type of feature). </a:t>
             </a:r>
-            <a:endParaRPr/>
+            <a:br>
+              <a:rPr lang="en-US" sz="1800" dirty="0">
+                <a:solidFill>
+                  <a:schemeClr val="dk1"/>
+                </a:solidFill>
+                <a:latin typeface="Quicksand" pitchFamily="2" charset="77"/>
+                <a:ea typeface="Calibri"/>
+                <a:cs typeface="Calibri"/>
+                <a:sym typeface="Calibri"/>
+              </a:rPr>
+            </a:br>
+            <a:endParaRPr dirty="0">
+              <a:latin typeface="Quicksand" pitchFamily="2" charset="77"/>
+            </a:endParaRPr>
           </a:p>
           <a:p>
             <a:pPr marL="285750" marR="0" lvl="0" indent="-285750" algn="l" rtl="0">
@@ -19118,18 +18068,20 @@
               <a:buChar char="•"/>
             </a:pPr>
             <a:r>
-              <a:rPr lang="en-US" sz="1800">
+              <a:rPr lang="en-US" sz="1800" dirty="0">
                 <a:solidFill>
                   <a:schemeClr val="dk1"/>
                 </a:solidFill>
-                <a:latin typeface="Calibri"/>
+                <a:latin typeface="Quicksand" pitchFamily="2" charset="77"/>
                 <a:ea typeface="Calibri"/>
                 <a:cs typeface="Calibri"/>
                 <a:sym typeface="Calibri"/>
               </a:rPr>
               <a:t>The filter elements are just weights for the Conv layer; we learn the filter values as part of the backpropagation process. So, the CNN will figure out what features to look for to predict the label (probably what a baby does when its first board and first learning how to process visual information).</a:t>
             </a:r>
-            <a:endParaRPr/>
+            <a:endParaRPr dirty="0">
+              <a:latin typeface="Quicksand" pitchFamily="2" charset="77"/>
+            </a:endParaRPr>
           </a:p>
         </p:txBody>
       </p:sp>
@@ -19148,7 +18100,7 @@
         </p:blipFill>
         <p:spPr>
           <a:xfrm>
-            <a:off x="3786132" y="4194155"/>
+            <a:off x="3588651" y="4379212"/>
             <a:ext cx="4619733" cy="2243870"/>
           </a:xfrm>
           <a:prstGeom prst="rect">
